--- a/Yandex.pptx
+++ b/Yandex.pptx
@@ -1,36 +1,38 @@
 
 <file path=ppt/presentation.xml><?xml version="1.0" encoding="utf-8"?>
-<p:presentation xmlns:a="http://schemas.openxmlformats.org/drawingml/2006/main" xmlns:r="http://schemas.openxmlformats.org/officeDocument/2006/relationships" xmlns:mc="http://schemas.openxmlformats.org/markup-compatibility/2006" xmlns:mv="urn:schemas-microsoft-com:mac:vml" xmlns:p="http://schemas.openxmlformats.org/presentationml/2006/main" xmlns:c="http://schemas.openxmlformats.org/drawingml/2006/chart" xmlns:dgm="http://schemas.openxmlformats.org/drawingml/2006/diagram" xmlns:o="urn:schemas-microsoft-com:office:office" xmlns:v="urn:schemas-microsoft-com:vml" xmlns:pvml="urn:schemas-microsoft-com:office:powerpoint" xmlns:com="http://schemas.openxmlformats.org/drawingml/2006/compatibility" xmlns:p14="http://schemas.microsoft.com/office/powerpoint/2010/main" xmlns:p15="http://schemas.microsoft.com/office/powerpoint/2012/main" xmlns:ahyp="http://schemas.microsoft.com/office/drawing/2018/hyperlinkcolor" autoCompressPictures="0" embedTrueTypeFonts="1" strictFirstAndLastChars="0" saveSubsetFonts="1">
+<p:presentation xmlns:a="http://schemas.openxmlformats.org/drawingml/2006/main" xmlns:r="http://schemas.openxmlformats.org/officeDocument/2006/relationships" xmlns:p="http://schemas.openxmlformats.org/presentationml/2006/main" strictFirstAndLastChars="0" embedTrueTypeFonts="1" saveSubsetFonts="1" autoCompressPictures="0">
   <p:sldMasterIdLst>
-    <p:sldMasterId id="2147483659" r:id="rId4"/>
+    <p:sldMasterId id="2147483659" r:id="rId1"/>
   </p:sldMasterIdLst>
   <p:notesMasterIdLst>
-    <p:notesMasterId r:id="rId5"/>
+    <p:notesMasterId r:id="rId6"/>
   </p:notesMasterIdLst>
   <p:sldIdLst>
-    <p:sldId id="256" r:id="rId6"/>
-    <p:sldId id="257" r:id="rId7"/>
+    <p:sldId id="256" r:id="rId2"/>
+    <p:sldId id="257" r:id="rId3"/>
+    <p:sldId id="258" r:id="rId4"/>
+    <p:sldId id="259" r:id="rId5"/>
   </p:sldIdLst>
-  <p:sldSz cy="5143500" cx="9144000"/>
+  <p:sldSz cx="9144000" cy="5143500" type="screen16x9"/>
   <p:notesSz cx="6858000" cy="9144000"/>
   <p:embeddedFontLst>
     <p:embeddedFont>
-      <p:font typeface="Raleway"/>
-      <p:regular r:id="rId8"/>
-      <p:bold r:id="rId9"/>
-      <p:italic r:id="rId10"/>
-      <p:boldItalic r:id="rId11"/>
+      <p:font typeface="Lato" panose="020F0502020204030203" pitchFamily="34" charset="0"/>
+      <p:regular r:id="rId7"/>
+      <p:bold r:id="rId8"/>
+      <p:italic r:id="rId9"/>
+      <p:boldItalic r:id="rId10"/>
     </p:embeddedFont>
     <p:embeddedFont>
-      <p:font typeface="Lato"/>
-      <p:regular r:id="rId12"/>
-      <p:bold r:id="rId13"/>
-      <p:italic r:id="rId14"/>
-      <p:boldItalic r:id="rId15"/>
+      <p:font typeface="Raleway" pitchFamily="2" charset="0"/>
+      <p:regular r:id="rId11"/>
+      <p:bold r:id="rId12"/>
+      <p:italic r:id="rId13"/>
+      <p:boldItalic r:id="rId14"/>
     </p:embeddedFont>
   </p:embeddedFontLst>
   <p:defaultTextStyle>
-    <a:defPPr lvl="0" marR="0" rtl="0" algn="l">
+    <a:defPPr marR="0" lvl="0" algn="l" rtl="0">
       <a:lnSpc>
         <a:spcPct val="100000"/>
       </a:lnSpc>
@@ -41,7 +43,7 @@
         <a:spcPts val="0"/>
       </a:spcAft>
     </a:defPPr>
-    <a:lvl1pPr lvl="0" marR="0" rtl="0" algn="l">
+    <a:lvl1pPr marR="0" lvl="0" algn="l" rtl="0">
       <a:lnSpc>
         <a:spcPct val="100000"/>
       </a:lnSpc>
@@ -55,7 +57,7 @@
         <a:srgbClr val="000000"/>
       </a:buClr>
       <a:buFont typeface="Arial"/>
-      <a:defRPr b="0" i="0" sz="1400" u="none" cap="none" strike="noStrike">
+      <a:defRPr sz="1400" b="0" i="0" u="none" strike="noStrike" cap="none">
         <a:solidFill>
           <a:srgbClr val="000000"/>
         </a:solidFill>
@@ -65,7 +67,7 @@
         <a:sym typeface="Arial"/>
       </a:defRPr>
     </a:lvl1pPr>
-    <a:lvl2pPr lvl="1" marR="0" rtl="0" algn="l">
+    <a:lvl2pPr marR="0" lvl="1" algn="l" rtl="0">
       <a:lnSpc>
         <a:spcPct val="100000"/>
       </a:lnSpc>
@@ -79,7 +81,7 @@
         <a:srgbClr val="000000"/>
       </a:buClr>
       <a:buFont typeface="Arial"/>
-      <a:defRPr b="0" i="0" sz="1400" u="none" cap="none" strike="noStrike">
+      <a:defRPr sz="1400" b="0" i="0" u="none" strike="noStrike" cap="none">
         <a:solidFill>
           <a:srgbClr val="000000"/>
         </a:solidFill>
@@ -89,7 +91,7 @@
         <a:sym typeface="Arial"/>
       </a:defRPr>
     </a:lvl2pPr>
-    <a:lvl3pPr lvl="2" marR="0" rtl="0" algn="l">
+    <a:lvl3pPr marR="0" lvl="2" algn="l" rtl="0">
       <a:lnSpc>
         <a:spcPct val="100000"/>
       </a:lnSpc>
@@ -103,7 +105,7 @@
         <a:srgbClr val="000000"/>
       </a:buClr>
       <a:buFont typeface="Arial"/>
-      <a:defRPr b="0" i="0" sz="1400" u="none" cap="none" strike="noStrike">
+      <a:defRPr sz="1400" b="0" i="0" u="none" strike="noStrike" cap="none">
         <a:solidFill>
           <a:srgbClr val="000000"/>
         </a:solidFill>
@@ -113,7 +115,7 @@
         <a:sym typeface="Arial"/>
       </a:defRPr>
     </a:lvl3pPr>
-    <a:lvl4pPr lvl="3" marR="0" rtl="0" algn="l">
+    <a:lvl4pPr marR="0" lvl="3" algn="l" rtl="0">
       <a:lnSpc>
         <a:spcPct val="100000"/>
       </a:lnSpc>
@@ -127,7 +129,7 @@
         <a:srgbClr val="000000"/>
       </a:buClr>
       <a:buFont typeface="Arial"/>
-      <a:defRPr b="0" i="0" sz="1400" u="none" cap="none" strike="noStrike">
+      <a:defRPr sz="1400" b="0" i="0" u="none" strike="noStrike" cap="none">
         <a:solidFill>
           <a:srgbClr val="000000"/>
         </a:solidFill>
@@ -137,7 +139,7 @@
         <a:sym typeface="Arial"/>
       </a:defRPr>
     </a:lvl4pPr>
-    <a:lvl5pPr lvl="4" marR="0" rtl="0" algn="l">
+    <a:lvl5pPr marR="0" lvl="4" algn="l" rtl="0">
       <a:lnSpc>
         <a:spcPct val="100000"/>
       </a:lnSpc>
@@ -151,7 +153,7 @@
         <a:srgbClr val="000000"/>
       </a:buClr>
       <a:buFont typeface="Arial"/>
-      <a:defRPr b="0" i="0" sz="1400" u="none" cap="none" strike="noStrike">
+      <a:defRPr sz="1400" b="0" i="0" u="none" strike="noStrike" cap="none">
         <a:solidFill>
           <a:srgbClr val="000000"/>
         </a:solidFill>
@@ -161,7 +163,7 @@
         <a:sym typeface="Arial"/>
       </a:defRPr>
     </a:lvl5pPr>
-    <a:lvl6pPr lvl="5" marR="0" rtl="0" algn="l">
+    <a:lvl6pPr marR="0" lvl="5" algn="l" rtl="0">
       <a:lnSpc>
         <a:spcPct val="100000"/>
       </a:lnSpc>
@@ -175,7 +177,7 @@
         <a:srgbClr val="000000"/>
       </a:buClr>
       <a:buFont typeface="Arial"/>
-      <a:defRPr b="0" i="0" sz="1400" u="none" cap="none" strike="noStrike">
+      <a:defRPr sz="1400" b="0" i="0" u="none" strike="noStrike" cap="none">
         <a:solidFill>
           <a:srgbClr val="000000"/>
         </a:solidFill>
@@ -185,7 +187,7 @@
         <a:sym typeface="Arial"/>
       </a:defRPr>
     </a:lvl6pPr>
-    <a:lvl7pPr lvl="6" marR="0" rtl="0" algn="l">
+    <a:lvl7pPr marR="0" lvl="6" algn="l" rtl="0">
       <a:lnSpc>
         <a:spcPct val="100000"/>
       </a:lnSpc>
@@ -199,7 +201,7 @@
         <a:srgbClr val="000000"/>
       </a:buClr>
       <a:buFont typeface="Arial"/>
-      <a:defRPr b="0" i="0" sz="1400" u="none" cap="none" strike="noStrike">
+      <a:defRPr sz="1400" b="0" i="0" u="none" strike="noStrike" cap="none">
         <a:solidFill>
           <a:srgbClr val="000000"/>
         </a:solidFill>
@@ -209,7 +211,7 @@
         <a:sym typeface="Arial"/>
       </a:defRPr>
     </a:lvl7pPr>
-    <a:lvl8pPr lvl="7" marR="0" rtl="0" algn="l">
+    <a:lvl8pPr marR="0" lvl="7" algn="l" rtl="0">
       <a:lnSpc>
         <a:spcPct val="100000"/>
       </a:lnSpc>
@@ -223,7 +225,7 @@
         <a:srgbClr val="000000"/>
       </a:buClr>
       <a:buFont typeface="Arial"/>
-      <a:defRPr b="0" i="0" sz="1400" u="none" cap="none" strike="noStrike">
+      <a:defRPr sz="1400" b="0" i="0" u="none" strike="noStrike" cap="none">
         <a:solidFill>
           <a:srgbClr val="000000"/>
         </a:solidFill>
@@ -233,7 +235,7 @@
         <a:sym typeface="Arial"/>
       </a:defRPr>
     </a:lvl8pPr>
-    <a:lvl9pPr lvl="8" marR="0" rtl="0" algn="l">
+    <a:lvl9pPr marR="0" lvl="8" algn="l" rtl="0">
       <a:lnSpc>
         <a:spcPct val="100000"/>
       </a:lnSpc>
@@ -247,7 +249,7 @@
         <a:srgbClr val="000000"/>
       </a:buClr>
       <a:buFont typeface="Arial"/>
-      <a:defRPr b="0" i="0" sz="1400" u="none" cap="none" strike="noStrike">
+      <a:defRPr sz="1400" b="0" i="0" u="none" strike="noStrike" cap="none">
         <a:solidFill>
           <a:srgbClr val="000000"/>
         </a:solidFill>
@@ -260,7 +262,7 @@
   </p:defaultTextStyle>
   <p:extLst>
     <p:ext uri="{EFAFB233-063F-42B5-8137-9DF3F51BA10A}">
-      <p15:sldGuideLst>
+      <p15:sldGuideLst xmlns:p15="http://schemas.microsoft.com/office/powerpoint/2012/main">
         <p15:guide id="1" orient="horz" pos="1620">
           <p15:clr>
             <a:srgbClr val="747775"/>
@@ -278,11 +280,16 @@
 </file>
 
 <file path=ppt/notesMasters/notesMaster1.xml><?xml version="1.0" encoding="utf-8"?>
-<p:notesMaster xmlns:a="http://schemas.openxmlformats.org/drawingml/2006/main" xmlns:r="http://schemas.openxmlformats.org/officeDocument/2006/relationships" xmlns:mc="http://schemas.openxmlformats.org/markup-compatibility/2006" xmlns:mv="urn:schemas-microsoft-com:mac:vml" xmlns:p="http://schemas.openxmlformats.org/presentationml/2006/main" xmlns:c="http://schemas.openxmlformats.org/drawingml/2006/chart" xmlns:dgm="http://schemas.openxmlformats.org/drawingml/2006/diagram" xmlns:o="urn:schemas-microsoft-com:office:office" xmlns:v="urn:schemas-microsoft-com:vml" xmlns:pvml="urn:schemas-microsoft-com:office:powerpoint" xmlns:com="http://schemas.openxmlformats.org/drawingml/2006/compatibility" xmlns:p14="http://schemas.microsoft.com/office/powerpoint/2010/main" xmlns:p15="http://schemas.microsoft.com/office/powerpoint/2012/main" xmlns:ahyp="http://schemas.microsoft.com/office/drawing/2018/hyperlinkcolor">
+<p:notesMaster xmlns:a="http://schemas.openxmlformats.org/drawingml/2006/main" xmlns:r="http://schemas.openxmlformats.org/officeDocument/2006/relationships" xmlns:p="http://schemas.openxmlformats.org/presentationml/2006/main">
   <p:cSld>
+    <p:bg>
+      <p:bgRef idx="1001">
+        <a:schemeClr val="bg1"/>
+      </p:bgRef>
+    </p:bg>
     <p:spTree>
       <p:nvGrpSpPr>
-        <p:cNvPr id="2" name="Shape 2"/>
+        <p:cNvPr id="1" name="Shape 2"/>
         <p:cNvGrpSpPr/>
         <p:nvPr/>
       </p:nvGrpSpPr>
@@ -297,9 +304,11 @@
       <p:sp>
         <p:nvSpPr>
           <p:cNvPr id="3" name="Google Shape;3;n"/>
-          <p:cNvSpPr/>
+          <p:cNvSpPr>
+            <a:spLocks noGrp="1" noRot="1" noChangeAspect="1"/>
+          </p:cNvSpPr>
           <p:nvPr>
-            <p:ph idx="2" type="sldImg"/>
+            <p:ph type="sldImg" idx="2"/>
           </p:nvPr>
         </p:nvSpPr>
         <p:spPr>
@@ -308,9 +317,13 @@
             <a:ext cx="6096075" cy="3429000"/>
           </a:xfrm>
           <a:custGeom>
-            <a:rect b="b" l="l" r="r" t="t"/>
+            <a:avLst/>
+            <a:gdLst/>
+            <a:ahLst/>
+            <a:cxnLst/>
+            <a:rect l="l" t="t" r="r" b="b"/>
             <a:pathLst>
-              <a:path extrusionOk="0" h="120000" w="120000">
+              <a:path w="120000" h="120000" extrusionOk="0">
                 <a:moveTo>
                   <a:pt x="0" y="0"/>
                 </a:moveTo>
@@ -328,23 +341,25 @@
             </a:pathLst>
           </a:custGeom>
           <a:noFill/>
-          <a:ln cap="flat" cmpd="sng" w="9525">
+          <a:ln w="9525" cap="flat" cmpd="sng">
             <a:solidFill>
               <a:srgbClr val="000000"/>
             </a:solidFill>
             <a:prstDash val="solid"/>
             <a:round/>
-            <a:headEnd len="sm" w="sm" type="none"/>
-            <a:tailEnd len="sm" w="sm" type="none"/>
+            <a:headEnd type="none" w="sm" len="sm"/>
+            <a:tailEnd type="none" w="sm" len="sm"/>
           </a:ln>
         </p:spPr>
       </p:sp>
       <p:sp>
         <p:nvSpPr>
           <p:cNvPr id="4" name="Google Shape;4;n"/>
-          <p:cNvSpPr txBox="1"/>
+          <p:cNvSpPr txBox="1">
+            <a:spLocks noGrp="1"/>
+          </p:cNvSpPr>
           <p:nvPr>
-            <p:ph idx="1" type="body"/>
+            <p:ph type="body" idx="1"/>
           </p:nvPr>
         </p:nvSpPr>
         <p:spPr>
@@ -361,11 +376,11 @@
           </a:ln>
         </p:spPr>
         <p:txBody>
-          <a:bodyPr anchorCtr="0" anchor="t" bIns="91425" lIns="91425" spcFirstLastPara="1" rIns="91425" wrap="square" tIns="91425">
+          <a:bodyPr spcFirstLastPara="1" wrap="square" lIns="91425" tIns="91425" rIns="91425" bIns="91425" anchor="t" anchorCtr="0">
             <a:noAutofit/>
           </a:bodyPr>
           <a:lstStyle>
-            <a:lvl1pPr indent="-298450" lvl="0" marL="457200">
+            <a:lvl1pPr marL="457200" lvl="0" indent="-298450">
               <a:spcBef>
                 <a:spcPts val="0"/>
               </a:spcBef>
@@ -376,7 +391,7 @@
               <a:buChar char="●"/>
               <a:defRPr sz="1100"/>
             </a:lvl1pPr>
-            <a:lvl2pPr indent="-298450" lvl="1" marL="914400">
+            <a:lvl2pPr marL="914400" lvl="1" indent="-298450">
               <a:spcBef>
                 <a:spcPts val="0"/>
               </a:spcBef>
@@ -387,7 +402,7 @@
               <a:buChar char="○"/>
               <a:defRPr sz="1100"/>
             </a:lvl2pPr>
-            <a:lvl3pPr indent="-298450" lvl="2" marL="1371600">
+            <a:lvl3pPr marL="1371600" lvl="2" indent="-298450">
               <a:spcBef>
                 <a:spcPts val="0"/>
               </a:spcBef>
@@ -398,7 +413,7 @@
               <a:buChar char="■"/>
               <a:defRPr sz="1100"/>
             </a:lvl3pPr>
-            <a:lvl4pPr indent="-298450" lvl="3" marL="1828800">
+            <a:lvl4pPr marL="1828800" lvl="3" indent="-298450">
               <a:spcBef>
                 <a:spcPts val="0"/>
               </a:spcBef>
@@ -409,7 +424,7 @@
               <a:buChar char="●"/>
               <a:defRPr sz="1100"/>
             </a:lvl4pPr>
-            <a:lvl5pPr indent="-298450" lvl="4" marL="2286000">
+            <a:lvl5pPr marL="2286000" lvl="4" indent="-298450">
               <a:spcBef>
                 <a:spcPts val="0"/>
               </a:spcBef>
@@ -420,7 +435,7 @@
               <a:buChar char="○"/>
               <a:defRPr sz="1100"/>
             </a:lvl5pPr>
-            <a:lvl6pPr indent="-298450" lvl="5" marL="2743200">
+            <a:lvl6pPr marL="2743200" lvl="5" indent="-298450">
               <a:spcBef>
                 <a:spcPts val="0"/>
               </a:spcBef>
@@ -431,7 +446,7 @@
               <a:buChar char="■"/>
               <a:defRPr sz="1100"/>
             </a:lvl6pPr>
-            <a:lvl7pPr indent="-298450" lvl="6" marL="3200400">
+            <a:lvl7pPr marL="3200400" lvl="6" indent="-298450">
               <a:spcBef>
                 <a:spcPts val="0"/>
               </a:spcBef>
@@ -442,7 +457,7 @@
               <a:buChar char="●"/>
               <a:defRPr sz="1100"/>
             </a:lvl7pPr>
-            <a:lvl8pPr indent="-298450" lvl="7" marL="3657600">
+            <a:lvl8pPr marL="3657600" lvl="7" indent="-298450">
               <a:spcBef>
                 <a:spcPts val="0"/>
               </a:spcBef>
@@ -453,7 +468,7 @@
               <a:buChar char="○"/>
               <a:defRPr sz="1100"/>
             </a:lvl8pPr>
-            <a:lvl9pPr indent="-298450" lvl="8" marL="4114800">
+            <a:lvl9pPr marL="4114800" lvl="8" indent="-298450">
               <a:spcBef>
                 <a:spcPts val="0"/>
               </a:spcBef>
@@ -465,14 +480,16 @@
               <a:defRPr sz="1100"/>
             </a:lvl9pPr>
           </a:lstStyle>
-          <a:p/>
+          <a:p>
+            <a:endParaRPr/>
+          </a:p>
         </p:txBody>
       </p:sp>
     </p:spTree>
   </p:cSld>
-  <p:clrMap accent1="accent1" accent2="accent2" accent3="accent3" accent4="accent4" accent5="accent5" accent6="accent6" bg1="lt1" bg2="dk2" tx1="dk1" tx2="lt2" folHlink="folHlink" hlink="hlink"/>
+  <p:clrMap bg1="lt1" tx1="dk1" bg2="dk2" tx2="lt2" accent1="accent1" accent2="accent2" accent3="accent3" accent4="accent4" accent5="accent5" accent6="accent6" hlink="hlink" folHlink="folHlink"/>
   <p:notesStyle>
-    <a:defPPr lvl="0" marR="0" rtl="0" algn="l">
+    <a:defPPr marR="0" lvl="0" algn="l" rtl="0">
       <a:lnSpc>
         <a:spcPct val="100000"/>
       </a:lnSpc>
@@ -483,7 +500,7 @@
         <a:spcPts val="0"/>
       </a:spcAft>
     </a:defPPr>
-    <a:lvl1pPr lvl="0" marR="0" rtl="0" algn="l">
+    <a:lvl1pPr marR="0" lvl="0" algn="l" rtl="0">
       <a:lnSpc>
         <a:spcPct val="100000"/>
       </a:lnSpc>
@@ -497,7 +514,7 @@
         <a:srgbClr val="000000"/>
       </a:buClr>
       <a:buFont typeface="Arial"/>
-      <a:defRPr b="0" i="0" sz="1400" u="none" cap="none" strike="noStrike">
+      <a:defRPr sz="1400" b="0" i="0" u="none" strike="noStrike" cap="none">
         <a:solidFill>
           <a:srgbClr val="000000"/>
         </a:solidFill>
@@ -507,7 +524,7 @@
         <a:sym typeface="Arial"/>
       </a:defRPr>
     </a:lvl1pPr>
-    <a:lvl2pPr lvl="1" marR="0" rtl="0" algn="l">
+    <a:lvl2pPr marR="0" lvl="1" algn="l" rtl="0">
       <a:lnSpc>
         <a:spcPct val="100000"/>
       </a:lnSpc>
@@ -521,7 +538,7 @@
         <a:srgbClr val="000000"/>
       </a:buClr>
       <a:buFont typeface="Arial"/>
-      <a:defRPr b="0" i="0" sz="1400" u="none" cap="none" strike="noStrike">
+      <a:defRPr sz="1400" b="0" i="0" u="none" strike="noStrike" cap="none">
         <a:solidFill>
           <a:srgbClr val="000000"/>
         </a:solidFill>
@@ -531,7 +548,7 @@
         <a:sym typeface="Arial"/>
       </a:defRPr>
     </a:lvl2pPr>
-    <a:lvl3pPr lvl="2" marR="0" rtl="0" algn="l">
+    <a:lvl3pPr marR="0" lvl="2" algn="l" rtl="0">
       <a:lnSpc>
         <a:spcPct val="100000"/>
       </a:lnSpc>
@@ -545,7 +562,7 @@
         <a:srgbClr val="000000"/>
       </a:buClr>
       <a:buFont typeface="Arial"/>
-      <a:defRPr b="0" i="0" sz="1400" u="none" cap="none" strike="noStrike">
+      <a:defRPr sz="1400" b="0" i="0" u="none" strike="noStrike" cap="none">
         <a:solidFill>
           <a:srgbClr val="000000"/>
         </a:solidFill>
@@ -555,7 +572,7 @@
         <a:sym typeface="Arial"/>
       </a:defRPr>
     </a:lvl3pPr>
-    <a:lvl4pPr lvl="3" marR="0" rtl="0" algn="l">
+    <a:lvl4pPr marR="0" lvl="3" algn="l" rtl="0">
       <a:lnSpc>
         <a:spcPct val="100000"/>
       </a:lnSpc>
@@ -569,7 +586,7 @@
         <a:srgbClr val="000000"/>
       </a:buClr>
       <a:buFont typeface="Arial"/>
-      <a:defRPr b="0" i="0" sz="1400" u="none" cap="none" strike="noStrike">
+      <a:defRPr sz="1400" b="0" i="0" u="none" strike="noStrike" cap="none">
         <a:solidFill>
           <a:srgbClr val="000000"/>
         </a:solidFill>
@@ -579,7 +596,7 @@
         <a:sym typeface="Arial"/>
       </a:defRPr>
     </a:lvl4pPr>
-    <a:lvl5pPr lvl="4" marR="0" rtl="0" algn="l">
+    <a:lvl5pPr marR="0" lvl="4" algn="l" rtl="0">
       <a:lnSpc>
         <a:spcPct val="100000"/>
       </a:lnSpc>
@@ -593,7 +610,7 @@
         <a:srgbClr val="000000"/>
       </a:buClr>
       <a:buFont typeface="Arial"/>
-      <a:defRPr b="0" i="0" sz="1400" u="none" cap="none" strike="noStrike">
+      <a:defRPr sz="1400" b="0" i="0" u="none" strike="noStrike" cap="none">
         <a:solidFill>
           <a:srgbClr val="000000"/>
         </a:solidFill>
@@ -603,7 +620,7 @@
         <a:sym typeface="Arial"/>
       </a:defRPr>
     </a:lvl5pPr>
-    <a:lvl6pPr lvl="5" marR="0" rtl="0" algn="l">
+    <a:lvl6pPr marR="0" lvl="5" algn="l" rtl="0">
       <a:lnSpc>
         <a:spcPct val="100000"/>
       </a:lnSpc>
@@ -617,7 +634,7 @@
         <a:srgbClr val="000000"/>
       </a:buClr>
       <a:buFont typeface="Arial"/>
-      <a:defRPr b="0" i="0" sz="1400" u="none" cap="none" strike="noStrike">
+      <a:defRPr sz="1400" b="0" i="0" u="none" strike="noStrike" cap="none">
         <a:solidFill>
           <a:srgbClr val="000000"/>
         </a:solidFill>
@@ -627,7 +644,7 @@
         <a:sym typeface="Arial"/>
       </a:defRPr>
     </a:lvl6pPr>
-    <a:lvl7pPr lvl="6" marR="0" rtl="0" algn="l">
+    <a:lvl7pPr marR="0" lvl="6" algn="l" rtl="0">
       <a:lnSpc>
         <a:spcPct val="100000"/>
       </a:lnSpc>
@@ -641,7 +658,7 @@
         <a:srgbClr val="000000"/>
       </a:buClr>
       <a:buFont typeface="Arial"/>
-      <a:defRPr b="0" i="0" sz="1400" u="none" cap="none" strike="noStrike">
+      <a:defRPr sz="1400" b="0" i="0" u="none" strike="noStrike" cap="none">
         <a:solidFill>
           <a:srgbClr val="000000"/>
         </a:solidFill>
@@ -651,7 +668,7 @@
         <a:sym typeface="Arial"/>
       </a:defRPr>
     </a:lvl7pPr>
-    <a:lvl8pPr lvl="7" marR="0" rtl="0" algn="l">
+    <a:lvl8pPr marR="0" lvl="7" algn="l" rtl="0">
       <a:lnSpc>
         <a:spcPct val="100000"/>
       </a:lnSpc>
@@ -665,7 +682,7 @@
         <a:srgbClr val="000000"/>
       </a:buClr>
       <a:buFont typeface="Arial"/>
-      <a:defRPr b="0" i="0" sz="1400" u="none" cap="none" strike="noStrike">
+      <a:defRPr sz="1400" b="0" i="0" u="none" strike="noStrike" cap="none">
         <a:solidFill>
           <a:srgbClr val="000000"/>
         </a:solidFill>
@@ -675,7 +692,7 @@
         <a:sym typeface="Arial"/>
       </a:defRPr>
     </a:lvl8pPr>
-    <a:lvl9pPr lvl="8" marR="0" rtl="0" algn="l">
+    <a:lvl9pPr marR="0" lvl="8" algn="l" rtl="0">
       <a:lnSpc>
         <a:spcPct val="100000"/>
       </a:lnSpc>
@@ -689,7 +706,7 @@
         <a:srgbClr val="000000"/>
       </a:buClr>
       <a:buFont typeface="Arial"/>
-      <a:defRPr b="0" i="0" sz="1400" u="none" cap="none" strike="noStrike">
+      <a:defRPr sz="1400" b="0" i="0" u="none" strike="noStrike" cap="none">
         <a:solidFill>
           <a:srgbClr val="000000"/>
         </a:solidFill>
@@ -704,11 +721,11 @@
 </file>
 
 <file path=ppt/notesSlides/notesSlide1.xml><?xml version="1.0" encoding="utf-8"?>
-<p:notes xmlns:a="http://schemas.openxmlformats.org/drawingml/2006/main" xmlns:r="http://schemas.openxmlformats.org/officeDocument/2006/relationships" xmlns:mc="http://schemas.openxmlformats.org/markup-compatibility/2006" xmlns:mv="urn:schemas-microsoft-com:mac:vml" xmlns:p="http://schemas.openxmlformats.org/presentationml/2006/main" xmlns:c="http://schemas.openxmlformats.org/drawingml/2006/chart" xmlns:dgm="http://schemas.openxmlformats.org/drawingml/2006/diagram" xmlns:o="urn:schemas-microsoft-com:office:office" xmlns:v="urn:schemas-microsoft-com:vml" xmlns:pvml="urn:schemas-microsoft-com:office:powerpoint" xmlns:com="http://schemas.openxmlformats.org/drawingml/2006/compatibility" xmlns:p14="http://schemas.microsoft.com/office/powerpoint/2010/main" xmlns:p15="http://schemas.microsoft.com/office/powerpoint/2012/main" xmlns:ahyp="http://schemas.microsoft.com/office/drawing/2018/hyperlinkcolor" showMasterPhAnim="0" showMasterSp="0">
+<p:notes xmlns:a="http://schemas.openxmlformats.org/drawingml/2006/main" xmlns:r="http://schemas.openxmlformats.org/officeDocument/2006/relationships" xmlns:p="http://schemas.openxmlformats.org/presentationml/2006/main" showMasterSp="0" showMasterPhAnim="0">
   <p:cSld>
     <p:spTree>
       <p:nvGrpSpPr>
-        <p:cNvPr id="82" name="Shape 82"/>
+        <p:cNvPr id="1" name="Shape 82"/>
         <p:cNvGrpSpPr/>
         <p:nvPr/>
       </p:nvGrpSpPr>
@@ -723,9 +740,11 @@
       <p:sp>
         <p:nvSpPr>
           <p:cNvPr id="83" name="Google Shape;83;p:notes"/>
-          <p:cNvSpPr/>
+          <p:cNvSpPr>
+            <a:spLocks noGrp="1" noRot="1" noChangeAspect="1"/>
+          </p:cNvSpPr>
           <p:nvPr>
-            <p:ph idx="2" type="sldImg"/>
+            <p:ph type="sldImg" idx="2"/>
           </p:nvPr>
         </p:nvSpPr>
         <p:spPr>
@@ -734,9 +753,13 @@
             <a:ext cx="6096075" cy="3429000"/>
           </a:xfrm>
           <a:custGeom>
-            <a:rect b="b" l="l" r="r" t="t"/>
+            <a:avLst/>
+            <a:gdLst/>
+            <a:ahLst/>
+            <a:cxnLst/>
+            <a:rect l="l" t="t" r="r" b="b"/>
             <a:pathLst>
-              <a:path extrusionOk="0" h="120000" w="120000">
+              <a:path w="120000" h="120000" extrusionOk="0">
                 <a:moveTo>
                   <a:pt x="0" y="0"/>
                 </a:moveTo>
@@ -758,9 +781,11 @@
       <p:sp>
         <p:nvSpPr>
           <p:cNvPr id="84" name="Google Shape;84;p:notes"/>
-          <p:cNvSpPr txBox="1"/>
+          <p:cNvSpPr txBox="1">
+            <a:spLocks noGrp="1"/>
+          </p:cNvSpPr>
           <p:nvPr>
-            <p:ph idx="1" type="body"/>
+            <p:ph type="body" idx="1"/>
           </p:nvPr>
         </p:nvSpPr>
         <p:spPr>
@@ -773,12 +798,12 @@
           </a:prstGeom>
         </p:spPr>
         <p:txBody>
-          <a:bodyPr anchorCtr="0" anchor="t" bIns="91425" lIns="91425" spcFirstLastPara="1" rIns="91425" wrap="square" tIns="91425">
+          <a:bodyPr spcFirstLastPara="1" wrap="square" lIns="91425" tIns="91425" rIns="91425" bIns="91425" anchor="t" anchorCtr="0">
             <a:noAutofit/>
           </a:bodyPr>
           <a:lstStyle/>
           <a:p>
-            <a:pPr indent="0" lvl="0" marL="0" rtl="0" algn="l">
+            <a:pPr marL="0" lvl="0" indent="0" algn="l" rtl="0">
               <a:spcBef>
                 <a:spcPts val="0"/>
               </a:spcBef>
@@ -787,9 +812,6 @@
               </a:spcAft>
               <a:buNone/>
             </a:pPr>
-            <a:r>
-              <a:t/>
-            </a:r>
             <a:endParaRPr/>
           </a:p>
         </p:txBody>
@@ -803,11 +825,11 @@
 </file>
 
 <file path=ppt/notesSlides/notesSlide2.xml><?xml version="1.0" encoding="utf-8"?>
-<p:notes xmlns:a="http://schemas.openxmlformats.org/drawingml/2006/main" xmlns:r="http://schemas.openxmlformats.org/officeDocument/2006/relationships" xmlns:mc="http://schemas.openxmlformats.org/markup-compatibility/2006" xmlns:mv="urn:schemas-microsoft-com:mac:vml" xmlns:p="http://schemas.openxmlformats.org/presentationml/2006/main" xmlns:c="http://schemas.openxmlformats.org/drawingml/2006/chart" xmlns:dgm="http://schemas.openxmlformats.org/drawingml/2006/diagram" xmlns:o="urn:schemas-microsoft-com:office:office" xmlns:v="urn:schemas-microsoft-com:vml" xmlns:pvml="urn:schemas-microsoft-com:office:powerpoint" xmlns:com="http://schemas.openxmlformats.org/drawingml/2006/compatibility" xmlns:p14="http://schemas.microsoft.com/office/powerpoint/2010/main" xmlns:p15="http://schemas.microsoft.com/office/powerpoint/2012/main" xmlns:ahyp="http://schemas.microsoft.com/office/drawing/2018/hyperlinkcolor" showMasterPhAnim="0" showMasterSp="0">
+<p:notes xmlns:a="http://schemas.openxmlformats.org/drawingml/2006/main" xmlns:r="http://schemas.openxmlformats.org/officeDocument/2006/relationships" xmlns:p="http://schemas.openxmlformats.org/presentationml/2006/main" showMasterSp="0" showMasterPhAnim="0">
   <p:cSld>
     <p:spTree>
       <p:nvGrpSpPr>
-        <p:cNvPr id="88" name="Shape 88"/>
+        <p:cNvPr id="1" name="Shape 88"/>
         <p:cNvGrpSpPr/>
         <p:nvPr/>
       </p:nvGrpSpPr>
@@ -822,9 +844,11 @@
       <p:sp>
         <p:nvSpPr>
           <p:cNvPr id="89" name="Google Shape;89;g2cd89f32b48_0_77:notes"/>
-          <p:cNvSpPr/>
+          <p:cNvSpPr>
+            <a:spLocks noGrp="1" noRot="1" noChangeAspect="1"/>
+          </p:cNvSpPr>
           <p:nvPr>
-            <p:ph idx="2" type="sldImg"/>
+            <p:ph type="sldImg" idx="2"/>
           </p:nvPr>
         </p:nvSpPr>
         <p:spPr>
@@ -833,9 +857,13 @@
             <a:ext cx="6096000" cy="3429000"/>
           </a:xfrm>
           <a:custGeom>
-            <a:rect b="b" l="l" r="r" t="t"/>
+            <a:avLst/>
+            <a:gdLst/>
+            <a:ahLst/>
+            <a:cxnLst/>
+            <a:rect l="l" t="t" r="r" b="b"/>
             <a:pathLst>
-              <a:path extrusionOk="0" h="120000" w="120000">
+              <a:path w="120000" h="120000" extrusionOk="0">
                 <a:moveTo>
                   <a:pt x="0" y="0"/>
                 </a:moveTo>
@@ -857,9 +885,11 @@
       <p:sp>
         <p:nvSpPr>
           <p:cNvPr id="90" name="Google Shape;90;g2cd89f32b48_0_77:notes"/>
-          <p:cNvSpPr txBox="1"/>
+          <p:cNvSpPr txBox="1">
+            <a:spLocks noGrp="1"/>
+          </p:cNvSpPr>
           <p:nvPr>
-            <p:ph idx="1" type="body"/>
+            <p:ph type="body" idx="1"/>
           </p:nvPr>
         </p:nvSpPr>
         <p:spPr>
@@ -872,12 +902,12 @@
           </a:prstGeom>
         </p:spPr>
         <p:txBody>
-          <a:bodyPr anchorCtr="0" anchor="t" bIns="91425" lIns="91425" spcFirstLastPara="1" rIns="91425" wrap="square" tIns="91425">
+          <a:bodyPr spcFirstLastPara="1" wrap="square" lIns="91425" tIns="91425" rIns="91425" bIns="91425" anchor="t" anchorCtr="0">
             <a:noAutofit/>
           </a:bodyPr>
           <a:lstStyle/>
           <a:p>
-            <a:pPr indent="0" lvl="0" marL="0" rtl="0" algn="l">
+            <a:pPr marL="0" lvl="0" indent="0" algn="l" rtl="0">
               <a:spcBef>
                 <a:spcPts val="0"/>
               </a:spcBef>
@@ -886,9 +916,6 @@
               </a:spcAft>
               <a:buNone/>
             </a:pPr>
-            <a:r>
-              <a:t/>
-            </a:r>
             <a:endParaRPr/>
           </a:p>
         </p:txBody>
@@ -902,18 +929,19 @@
 </file>
 
 <file path=ppt/slideLayouts/slideLayout1.xml><?xml version="1.0" encoding="utf-8"?>
-<p:sldLayout xmlns:a="http://schemas.openxmlformats.org/drawingml/2006/main" xmlns:r="http://schemas.openxmlformats.org/officeDocument/2006/relationships" xmlns:mc="http://schemas.openxmlformats.org/markup-compatibility/2006" xmlns:mv="urn:schemas-microsoft-com:mac:vml" xmlns:p="http://schemas.openxmlformats.org/presentationml/2006/main" xmlns:c="http://schemas.openxmlformats.org/drawingml/2006/chart" xmlns:dgm="http://schemas.openxmlformats.org/drawingml/2006/diagram" xmlns:o="urn:schemas-microsoft-com:office:office" xmlns:v="urn:schemas-microsoft-com:vml" xmlns:pvml="urn:schemas-microsoft-com:office:powerpoint" xmlns:com="http://schemas.openxmlformats.org/drawingml/2006/compatibility" xmlns:p14="http://schemas.microsoft.com/office/powerpoint/2010/main" xmlns:p15="http://schemas.microsoft.com/office/powerpoint/2012/main" xmlns:ahyp="http://schemas.microsoft.com/office/drawing/2018/hyperlinkcolor" matchingName="Title slide" type="title">
+<p:sldLayout xmlns:a="http://schemas.openxmlformats.org/drawingml/2006/main" xmlns:r="http://schemas.openxmlformats.org/officeDocument/2006/relationships" xmlns:p="http://schemas.openxmlformats.org/presentationml/2006/main" matchingName="Title slide" type="title">
   <p:cSld name="TITLE">
     <p:bg>
       <p:bgPr>
         <a:solidFill>
           <a:schemeClr val="lt2"/>
         </a:solidFill>
+        <a:effectLst/>
       </p:bgPr>
     </p:bg>
     <p:spTree>
       <p:nvGrpSpPr>
-        <p:cNvPr id="9" name="Shape 9"/>
+        <p:cNvPr id="1" name="Shape 9"/>
         <p:cNvGrpSpPr/>
         <p:nvPr/>
       </p:nvGrpSpPr>
@@ -947,12 +975,12 @@
           </a:ln>
         </p:spPr>
         <p:txBody>
-          <a:bodyPr anchorCtr="0" anchor="ctr" bIns="91425" lIns="91425" spcFirstLastPara="1" rIns="91425" wrap="square" tIns="91425">
+          <a:bodyPr spcFirstLastPara="1" wrap="square" lIns="91425" tIns="91425" rIns="91425" bIns="91425" anchor="ctr" anchorCtr="0">
             <a:noAutofit/>
           </a:bodyPr>
           <a:lstStyle/>
           <a:p>
-            <a:pPr indent="0" lvl="0" marL="0" rtl="0" algn="l">
+            <a:pPr marL="0" lvl="0" indent="0" algn="l" rtl="0">
               <a:spcBef>
                 <a:spcPts val="0"/>
               </a:spcBef>
@@ -961,9 +989,6 @@
               </a:spcAft>
               <a:buNone/>
             </a:pPr>
-            <a:r>
-              <a:t/>
-            </a:r>
             <a:endParaRPr/>
           </a:p>
         </p:txBody>
@@ -1004,12 +1029,12 @@
             </a:ln>
           </p:spPr>
           <p:txBody>
-            <a:bodyPr anchorCtr="0" anchor="ctr" bIns="91425" lIns="91425" spcFirstLastPara="1" rIns="91425" wrap="square" tIns="91425">
+            <a:bodyPr spcFirstLastPara="1" wrap="square" lIns="91425" tIns="91425" rIns="91425" bIns="91425" anchor="ctr" anchorCtr="0">
               <a:noAutofit/>
             </a:bodyPr>
             <a:lstStyle/>
             <a:p>
-              <a:pPr indent="0" lvl="0" marL="0" rtl="0" algn="l">
+              <a:pPr marL="0" lvl="0" indent="0" algn="l" rtl="0">
                 <a:spcBef>
                   <a:spcPts val="0"/>
                 </a:spcBef>
@@ -1018,9 +1043,6 @@
                 </a:spcAft>
                 <a:buNone/>
               </a:pPr>
-              <a:r>
-                <a:t/>
-              </a:r>
               <a:endParaRPr/>
             </a:p>
           </p:txBody>
@@ -1047,12 +1069,12 @@
             </a:ln>
           </p:spPr>
           <p:txBody>
-            <a:bodyPr anchorCtr="0" anchor="ctr" bIns="91425" lIns="91425" spcFirstLastPara="1" rIns="91425" wrap="square" tIns="91425">
+            <a:bodyPr spcFirstLastPara="1" wrap="square" lIns="91425" tIns="91425" rIns="91425" bIns="91425" anchor="ctr" anchorCtr="0">
               <a:noAutofit/>
             </a:bodyPr>
             <a:lstStyle/>
             <a:p>
-              <a:pPr indent="0" lvl="0" marL="0" rtl="0" algn="l">
+              <a:pPr marL="0" lvl="0" indent="0" algn="l" rtl="0">
                 <a:spcBef>
                   <a:spcPts val="0"/>
                 </a:spcBef>
@@ -1061,9 +1083,6 @@
                 </a:spcAft>
                 <a:buNone/>
               </a:pPr>
-              <a:r>
-                <a:t/>
-              </a:r>
               <a:endParaRPr/>
             </a:p>
           </p:txBody>
@@ -1072,7 +1091,9 @@
       <p:sp>
         <p:nvSpPr>
           <p:cNvPr id="14" name="Google Shape;14;p2"/>
-          <p:cNvSpPr txBox="1"/>
+          <p:cNvSpPr txBox="1">
+            <a:spLocks noGrp="1"/>
+          </p:cNvSpPr>
           <p:nvPr>
             <p:ph type="ctrTitle"/>
           </p:nvPr>
@@ -1087,7 +1108,7 @@
           </a:prstGeom>
         </p:spPr>
         <p:txBody>
-          <a:bodyPr anchorCtr="0" anchor="t" bIns="91425" lIns="91425" spcFirstLastPara="1" rIns="91425" wrap="square" tIns="91425">
+          <a:bodyPr spcFirstLastPara="1" wrap="square" lIns="91425" tIns="91425" rIns="91425" bIns="91425" anchor="t" anchorCtr="0">
             <a:normAutofit/>
           </a:bodyPr>
           <a:lstStyle>
@@ -1191,15 +1212,19 @@
               <a:defRPr sz="4200"/>
             </a:lvl9pPr>
           </a:lstStyle>
-          <a:p/>
+          <a:p>
+            <a:endParaRPr/>
+          </a:p>
         </p:txBody>
       </p:sp>
       <p:sp>
         <p:nvSpPr>
           <p:cNvPr id="15" name="Google Shape;15;p2"/>
-          <p:cNvSpPr txBox="1"/>
+          <p:cNvSpPr txBox="1">
+            <a:spLocks noGrp="1"/>
+          </p:cNvSpPr>
           <p:nvPr>
-            <p:ph idx="1" type="subTitle"/>
+            <p:ph type="subTitle" idx="1"/>
           </p:nvPr>
         </p:nvSpPr>
         <p:spPr>
@@ -1212,7 +1237,7 @@
           </a:prstGeom>
         </p:spPr>
         <p:txBody>
-          <a:bodyPr anchorCtr="0" anchor="t" bIns="91425" lIns="91425" spcFirstLastPara="1" rIns="91425" wrap="square" tIns="91425">
+          <a:bodyPr spcFirstLastPara="1" wrap="square" lIns="91425" tIns="91425" rIns="91425" bIns="91425" anchor="t" anchorCtr="0">
             <a:normAutofit/>
           </a:bodyPr>
           <a:lstStyle>
@@ -1343,15 +1368,19 @@
               <a:defRPr sz="1600"/>
             </a:lvl9pPr>
           </a:lstStyle>
-          <a:p/>
+          <a:p>
+            <a:endParaRPr/>
+          </a:p>
         </p:txBody>
       </p:sp>
       <p:sp>
         <p:nvSpPr>
           <p:cNvPr id="16" name="Google Shape;16;p2"/>
-          <p:cNvSpPr txBox="1"/>
+          <p:cNvSpPr txBox="1">
+            <a:spLocks noGrp="1"/>
+          </p:cNvSpPr>
           <p:nvPr>
-            <p:ph idx="12" type="sldNum"/>
+            <p:ph type="sldNum" idx="12"/>
           </p:nvPr>
         </p:nvSpPr>
         <p:spPr>
@@ -1364,7 +1393,7 @@
           </a:prstGeom>
         </p:spPr>
         <p:txBody>
-          <a:bodyPr anchorCtr="0" anchor="ctr" bIns="91425" lIns="91425" spcFirstLastPara="1" rIns="91425" wrap="square" tIns="91425">
+          <a:bodyPr spcFirstLastPara="1" wrap="square" lIns="91425" tIns="91425" rIns="91425" bIns="91425" anchor="ctr" anchorCtr="0">
             <a:normAutofit/>
           </a:bodyPr>
           <a:lstStyle>
@@ -1406,7 +1435,7 @@
             </a:lvl9pPr>
           </a:lstStyle>
           <a:p>
-            <a:pPr indent="0" lvl="0" marL="0" rtl="0" algn="r">
+            <a:pPr marL="0" lvl="0" indent="0" algn="r" rtl="0">
               <a:spcBef>
                 <a:spcPts val="0"/>
               </a:spcBef>
@@ -1432,18 +1461,19 @@
 </file>
 
 <file path=ppt/slideLayouts/slideLayout10.xml><?xml version="1.0" encoding="utf-8"?>
-<p:sldLayout xmlns:a="http://schemas.openxmlformats.org/drawingml/2006/main" xmlns:r="http://schemas.openxmlformats.org/officeDocument/2006/relationships" xmlns:mc="http://schemas.openxmlformats.org/markup-compatibility/2006" xmlns:mv="urn:schemas-microsoft-com:mac:vml" xmlns:p="http://schemas.openxmlformats.org/presentationml/2006/main" xmlns:c="http://schemas.openxmlformats.org/drawingml/2006/chart" xmlns:dgm="http://schemas.openxmlformats.org/drawingml/2006/diagram" xmlns:o="urn:schemas-microsoft-com:office:office" xmlns:v="urn:schemas-microsoft-com:vml" xmlns:pvml="urn:schemas-microsoft-com:office:powerpoint" xmlns:com="http://schemas.openxmlformats.org/drawingml/2006/compatibility" xmlns:p14="http://schemas.microsoft.com/office/powerpoint/2010/main" xmlns:p15="http://schemas.microsoft.com/office/powerpoint/2012/main" xmlns:ahyp="http://schemas.microsoft.com/office/drawing/2018/hyperlinkcolor" matchingName="Big number">
+<p:sldLayout xmlns:a="http://schemas.openxmlformats.org/drawingml/2006/main" xmlns:r="http://schemas.openxmlformats.org/officeDocument/2006/relationships" xmlns:p="http://schemas.openxmlformats.org/presentationml/2006/main" matchingName="Big number">
   <p:cSld name="BIG_NUMBER">
     <p:bg>
       <p:bgPr>
         <a:solidFill>
           <a:schemeClr val="dk1"/>
         </a:solidFill>
+        <a:effectLst/>
       </p:bgPr>
     </p:bg>
     <p:spTree>
       <p:nvGrpSpPr>
-        <p:cNvPr id="73" name="Shape 73"/>
+        <p:cNvPr id="1" name="Shape 73"/>
         <p:cNvGrpSpPr/>
         <p:nvPr/>
       </p:nvGrpSpPr>
@@ -1491,12 +1521,12 @@
             </a:ln>
           </p:spPr>
           <p:txBody>
-            <a:bodyPr anchorCtr="0" anchor="ctr" bIns="91425" lIns="91425" spcFirstLastPara="1" rIns="91425" wrap="square" tIns="91425">
+            <a:bodyPr spcFirstLastPara="1" wrap="square" lIns="91425" tIns="91425" rIns="91425" bIns="91425" anchor="ctr" anchorCtr="0">
               <a:noAutofit/>
             </a:bodyPr>
             <a:lstStyle/>
             <a:p>
-              <a:pPr indent="0" lvl="0" marL="0" rtl="0" algn="l">
+              <a:pPr marL="0" lvl="0" indent="0" algn="l" rtl="0">
                 <a:spcBef>
                   <a:spcPts val="0"/>
                 </a:spcBef>
@@ -1505,9 +1535,6 @@
                 </a:spcAft>
                 <a:buNone/>
               </a:pPr>
-              <a:r>
-                <a:t/>
-              </a:r>
               <a:endParaRPr/>
             </a:p>
           </p:txBody>
@@ -1534,12 +1561,12 @@
             </a:ln>
           </p:spPr>
           <p:txBody>
-            <a:bodyPr anchorCtr="0" anchor="ctr" bIns="91425" lIns="91425" spcFirstLastPara="1" rIns="91425" wrap="square" tIns="91425">
+            <a:bodyPr spcFirstLastPara="1" wrap="square" lIns="91425" tIns="91425" rIns="91425" bIns="91425" anchor="ctr" anchorCtr="0">
               <a:noAutofit/>
             </a:bodyPr>
             <a:lstStyle/>
             <a:p>
-              <a:pPr indent="0" lvl="0" marL="0" rtl="0" algn="l">
+              <a:pPr marL="0" lvl="0" indent="0" algn="l" rtl="0">
                 <a:spcBef>
                   <a:spcPts val="0"/>
                 </a:spcBef>
@@ -1548,9 +1575,6 @@
                 </a:spcAft>
                 <a:buNone/>
               </a:pPr>
-              <a:r>
-                <a:t/>
-              </a:r>
               <a:endParaRPr/>
             </a:p>
           </p:txBody>
@@ -1559,9 +1583,11 @@
       <p:sp>
         <p:nvSpPr>
           <p:cNvPr id="77" name="Google Shape;77;p11"/>
-          <p:cNvSpPr txBox="1"/>
+          <p:cNvSpPr txBox="1">
+            <a:spLocks noGrp="1"/>
+          </p:cNvSpPr>
           <p:nvPr>
-            <p:ph hasCustomPrompt="1" type="title"/>
+            <p:ph type="title" hasCustomPrompt="1"/>
           </p:nvPr>
         </p:nvSpPr>
         <p:spPr>
@@ -1574,7 +1600,7 @@
           </a:prstGeom>
         </p:spPr>
         <p:txBody>
-          <a:bodyPr anchorCtr="0" anchor="t" bIns="91425" lIns="91425" spcFirstLastPara="1" rIns="91425" wrap="square" tIns="91425">
+          <a:bodyPr spcFirstLastPara="1" wrap="square" lIns="91425" tIns="91425" rIns="91425" bIns="91425" anchor="t" anchorCtr="0">
             <a:normAutofit/>
           </a:bodyPr>
           <a:lstStyle>
@@ -1751,9 +1777,11 @@
       <p:sp>
         <p:nvSpPr>
           <p:cNvPr id="78" name="Google Shape;78;p11"/>
-          <p:cNvSpPr txBox="1"/>
+          <p:cNvSpPr txBox="1">
+            <a:spLocks noGrp="1"/>
+          </p:cNvSpPr>
           <p:nvPr>
-            <p:ph idx="1" type="body"/>
+            <p:ph type="body" idx="1"/>
           </p:nvPr>
         </p:nvSpPr>
         <p:spPr>
@@ -1766,11 +1794,11 @@
           </a:prstGeom>
         </p:spPr>
         <p:txBody>
-          <a:bodyPr anchorCtr="0" anchor="t" bIns="91425" lIns="91425" spcFirstLastPara="1" rIns="91425" wrap="square" tIns="91425">
+          <a:bodyPr spcFirstLastPara="1" wrap="square" lIns="91425" tIns="91425" rIns="91425" bIns="91425" anchor="t" anchorCtr="0">
             <a:normAutofit/>
           </a:bodyPr>
           <a:lstStyle>
-            <a:lvl1pPr indent="-311150" lvl="0" marL="457200">
+            <a:lvl1pPr marL="457200" lvl="0" indent="-311150">
               <a:spcBef>
                 <a:spcPts val="0"/>
               </a:spcBef>
@@ -1788,7 +1816,7 @@
                 </a:solidFill>
               </a:defRPr>
             </a:lvl1pPr>
-            <a:lvl2pPr indent="-298450" lvl="1" marL="914400">
+            <a:lvl2pPr marL="914400" lvl="1" indent="-298450">
               <a:spcBef>
                 <a:spcPts val="0"/>
               </a:spcBef>
@@ -1806,7 +1834,7 @@
                 </a:solidFill>
               </a:defRPr>
             </a:lvl2pPr>
-            <a:lvl3pPr indent="-298450" lvl="2" marL="1371600">
+            <a:lvl3pPr marL="1371600" lvl="2" indent="-298450">
               <a:spcBef>
                 <a:spcPts val="0"/>
               </a:spcBef>
@@ -1824,7 +1852,7 @@
                 </a:solidFill>
               </a:defRPr>
             </a:lvl3pPr>
-            <a:lvl4pPr indent="-298450" lvl="3" marL="1828800">
+            <a:lvl4pPr marL="1828800" lvl="3" indent="-298450">
               <a:spcBef>
                 <a:spcPts val="0"/>
               </a:spcBef>
@@ -1842,7 +1870,7 @@
                 </a:solidFill>
               </a:defRPr>
             </a:lvl4pPr>
-            <a:lvl5pPr indent="-298450" lvl="4" marL="2286000">
+            <a:lvl5pPr marL="2286000" lvl="4" indent="-298450">
               <a:spcBef>
                 <a:spcPts val="0"/>
               </a:spcBef>
@@ -1860,7 +1888,7 @@
                 </a:solidFill>
               </a:defRPr>
             </a:lvl5pPr>
-            <a:lvl6pPr indent="-298450" lvl="5" marL="2743200">
+            <a:lvl6pPr marL="2743200" lvl="5" indent="-298450">
               <a:spcBef>
                 <a:spcPts val="0"/>
               </a:spcBef>
@@ -1878,7 +1906,7 @@
                 </a:solidFill>
               </a:defRPr>
             </a:lvl6pPr>
-            <a:lvl7pPr indent="-298450" lvl="6" marL="3200400">
+            <a:lvl7pPr marL="3200400" lvl="6" indent="-298450">
               <a:spcBef>
                 <a:spcPts val="0"/>
               </a:spcBef>
@@ -1896,7 +1924,7 @@
                 </a:solidFill>
               </a:defRPr>
             </a:lvl7pPr>
-            <a:lvl8pPr indent="-298450" lvl="7" marL="3657600">
+            <a:lvl8pPr marL="3657600" lvl="7" indent="-298450">
               <a:spcBef>
                 <a:spcPts val="0"/>
               </a:spcBef>
@@ -1914,7 +1942,7 @@
                 </a:solidFill>
               </a:defRPr>
             </a:lvl8pPr>
-            <a:lvl9pPr indent="-298450" lvl="8" marL="4114800">
+            <a:lvl9pPr marL="4114800" lvl="8" indent="-298450">
               <a:spcBef>
                 <a:spcPts val="0"/>
               </a:spcBef>
@@ -1933,15 +1961,19 @@
               </a:defRPr>
             </a:lvl9pPr>
           </a:lstStyle>
-          <a:p/>
+          <a:p>
+            <a:endParaRPr/>
+          </a:p>
         </p:txBody>
       </p:sp>
       <p:sp>
         <p:nvSpPr>
           <p:cNvPr id="79" name="Google Shape;79;p11"/>
-          <p:cNvSpPr txBox="1"/>
+          <p:cNvSpPr txBox="1">
+            <a:spLocks noGrp="1"/>
+          </p:cNvSpPr>
           <p:nvPr>
-            <p:ph idx="12" type="sldNum"/>
+            <p:ph type="sldNum" idx="12"/>
           </p:nvPr>
         </p:nvSpPr>
         <p:spPr>
@@ -1954,7 +1986,7 @@
           </a:prstGeom>
         </p:spPr>
         <p:txBody>
-          <a:bodyPr anchorCtr="0" anchor="ctr" bIns="91425" lIns="91425" spcFirstLastPara="1" rIns="91425" wrap="square" tIns="91425">
+          <a:bodyPr spcFirstLastPara="1" wrap="square" lIns="91425" tIns="91425" rIns="91425" bIns="91425" anchor="ctr" anchorCtr="0">
             <a:normAutofit/>
           </a:bodyPr>
           <a:lstStyle>
@@ -2032,7 +2064,7 @@
             </a:lvl9pPr>
           </a:lstStyle>
           <a:p>
-            <a:pPr indent="0" lvl="0" marL="0" rtl="0" algn="r">
+            <a:pPr marL="0" lvl="0" indent="0" algn="r" rtl="0">
               <a:spcBef>
                 <a:spcPts val="0"/>
               </a:spcBef>
@@ -2058,11 +2090,11 @@
 </file>
 
 <file path=ppt/slideLayouts/slideLayout11.xml><?xml version="1.0" encoding="utf-8"?>
-<p:sldLayout xmlns:a="http://schemas.openxmlformats.org/drawingml/2006/main" xmlns:r="http://schemas.openxmlformats.org/officeDocument/2006/relationships" xmlns:mc="http://schemas.openxmlformats.org/markup-compatibility/2006" xmlns:mv="urn:schemas-microsoft-com:mac:vml" xmlns:p="http://schemas.openxmlformats.org/presentationml/2006/main" xmlns:c="http://schemas.openxmlformats.org/drawingml/2006/chart" xmlns:dgm="http://schemas.openxmlformats.org/drawingml/2006/diagram" xmlns:o="urn:schemas-microsoft-com:office:office" xmlns:v="urn:schemas-microsoft-com:vml" xmlns:pvml="urn:schemas-microsoft-com:office:powerpoint" xmlns:com="http://schemas.openxmlformats.org/drawingml/2006/compatibility" xmlns:p14="http://schemas.microsoft.com/office/powerpoint/2010/main" xmlns:p15="http://schemas.microsoft.com/office/powerpoint/2012/main" xmlns:ahyp="http://schemas.microsoft.com/office/drawing/2018/hyperlinkcolor" matchingName="Blank" type="blank">
+<p:sldLayout xmlns:a="http://schemas.openxmlformats.org/drawingml/2006/main" xmlns:r="http://schemas.openxmlformats.org/officeDocument/2006/relationships" xmlns:p="http://schemas.openxmlformats.org/presentationml/2006/main" matchingName="Blank" type="blank">
   <p:cSld name="BLANK">
     <p:spTree>
       <p:nvGrpSpPr>
-        <p:cNvPr id="80" name="Shape 80"/>
+        <p:cNvPr id="1" name="Shape 80"/>
         <p:cNvGrpSpPr/>
         <p:nvPr/>
       </p:nvGrpSpPr>
@@ -2077,9 +2109,11 @@
       <p:sp>
         <p:nvSpPr>
           <p:cNvPr id="81" name="Google Shape;81;p12"/>
-          <p:cNvSpPr txBox="1"/>
+          <p:cNvSpPr txBox="1">
+            <a:spLocks noGrp="1"/>
+          </p:cNvSpPr>
           <p:nvPr>
-            <p:ph idx="12" type="sldNum"/>
+            <p:ph type="sldNum" idx="12"/>
           </p:nvPr>
         </p:nvSpPr>
         <p:spPr>
@@ -2092,7 +2126,7 @@
           </a:prstGeom>
         </p:spPr>
         <p:txBody>
-          <a:bodyPr anchorCtr="0" anchor="ctr" bIns="91425" lIns="91425" spcFirstLastPara="1" rIns="91425" wrap="square" tIns="91425">
+          <a:bodyPr spcFirstLastPara="1" wrap="square" lIns="91425" tIns="91425" rIns="91425" bIns="91425" anchor="ctr" anchorCtr="0">
             <a:normAutofit/>
           </a:bodyPr>
           <a:lstStyle>
@@ -2134,7 +2168,7 @@
             </a:lvl9pPr>
           </a:lstStyle>
           <a:p>
-            <a:pPr indent="0" lvl="0" marL="0" rtl="0" algn="r">
+            <a:pPr marL="0" lvl="0" indent="0" algn="r" rtl="0">
               <a:spcBef>
                 <a:spcPts val="0"/>
               </a:spcBef>
@@ -2160,18 +2194,19 @@
 </file>
 
 <file path=ppt/slideLayouts/slideLayout2.xml><?xml version="1.0" encoding="utf-8"?>
-<p:sldLayout xmlns:a="http://schemas.openxmlformats.org/drawingml/2006/main" xmlns:r="http://schemas.openxmlformats.org/officeDocument/2006/relationships" xmlns:mc="http://schemas.openxmlformats.org/markup-compatibility/2006" xmlns:mv="urn:schemas-microsoft-com:mac:vml" xmlns:p="http://schemas.openxmlformats.org/presentationml/2006/main" xmlns:c="http://schemas.openxmlformats.org/drawingml/2006/chart" xmlns:dgm="http://schemas.openxmlformats.org/drawingml/2006/diagram" xmlns:o="urn:schemas-microsoft-com:office:office" xmlns:v="urn:schemas-microsoft-com:vml" xmlns:pvml="urn:schemas-microsoft-com:office:powerpoint" xmlns:com="http://schemas.openxmlformats.org/drawingml/2006/compatibility" xmlns:p14="http://schemas.microsoft.com/office/powerpoint/2010/main" xmlns:p15="http://schemas.microsoft.com/office/powerpoint/2012/main" xmlns:ahyp="http://schemas.microsoft.com/office/drawing/2018/hyperlinkcolor" matchingName="Section header" type="secHead">
+<p:sldLayout xmlns:a="http://schemas.openxmlformats.org/drawingml/2006/main" xmlns:r="http://schemas.openxmlformats.org/officeDocument/2006/relationships" xmlns:p="http://schemas.openxmlformats.org/presentationml/2006/main" matchingName="Section header" type="secHead">
   <p:cSld name="SECTION_HEADER">
     <p:bg>
       <p:bgPr>
         <a:solidFill>
           <a:schemeClr val="dk1"/>
         </a:solidFill>
+        <a:effectLst/>
       </p:bgPr>
     </p:bg>
     <p:spTree>
       <p:nvGrpSpPr>
-        <p:cNvPr id="17" name="Shape 17"/>
+        <p:cNvPr id="1" name="Shape 17"/>
         <p:cNvGrpSpPr/>
         <p:nvPr/>
       </p:nvGrpSpPr>
@@ -2219,12 +2254,12 @@
             </a:ln>
           </p:spPr>
           <p:txBody>
-            <a:bodyPr anchorCtr="0" anchor="ctr" bIns="91425" lIns="91425" spcFirstLastPara="1" rIns="91425" wrap="square" tIns="91425">
+            <a:bodyPr spcFirstLastPara="1" wrap="square" lIns="91425" tIns="91425" rIns="91425" bIns="91425" anchor="ctr" anchorCtr="0">
               <a:noAutofit/>
             </a:bodyPr>
             <a:lstStyle/>
             <a:p>
-              <a:pPr indent="0" lvl="0" marL="0" rtl="0" algn="l">
+              <a:pPr marL="0" lvl="0" indent="0" algn="l" rtl="0">
                 <a:spcBef>
                   <a:spcPts val="0"/>
                 </a:spcBef>
@@ -2233,9 +2268,6 @@
                 </a:spcAft>
                 <a:buNone/>
               </a:pPr>
-              <a:r>
-                <a:t/>
-              </a:r>
               <a:endParaRPr/>
             </a:p>
           </p:txBody>
@@ -2262,12 +2294,12 @@
             </a:ln>
           </p:spPr>
           <p:txBody>
-            <a:bodyPr anchorCtr="0" anchor="ctr" bIns="91425" lIns="91425" spcFirstLastPara="1" rIns="91425" wrap="square" tIns="91425">
+            <a:bodyPr spcFirstLastPara="1" wrap="square" lIns="91425" tIns="91425" rIns="91425" bIns="91425" anchor="ctr" anchorCtr="0">
               <a:noAutofit/>
             </a:bodyPr>
             <a:lstStyle/>
             <a:p>
-              <a:pPr indent="0" lvl="0" marL="0" rtl="0" algn="l">
+              <a:pPr marL="0" lvl="0" indent="0" algn="l" rtl="0">
                 <a:spcBef>
                   <a:spcPts val="0"/>
                 </a:spcBef>
@@ -2276,9 +2308,6 @@
                 </a:spcAft>
                 <a:buNone/>
               </a:pPr>
-              <a:r>
-                <a:t/>
-              </a:r>
               <a:endParaRPr/>
             </a:p>
           </p:txBody>
@@ -2287,7 +2316,9 @@
       <p:sp>
         <p:nvSpPr>
           <p:cNvPr id="21" name="Google Shape;21;p3"/>
-          <p:cNvSpPr txBox="1"/>
+          <p:cNvSpPr txBox="1">
+            <a:spLocks noGrp="1"/>
+          </p:cNvSpPr>
           <p:nvPr>
             <p:ph type="title"/>
           </p:nvPr>
@@ -2302,7 +2333,7 @@
           </a:prstGeom>
         </p:spPr>
         <p:txBody>
-          <a:bodyPr anchorCtr="0" anchor="t" bIns="91425" lIns="91425" spcFirstLastPara="1" rIns="91425" wrap="square" tIns="91425">
+          <a:bodyPr spcFirstLastPara="1" wrap="square" lIns="91425" tIns="91425" rIns="91425" bIns="91425" anchor="t" anchorCtr="0">
             <a:normAutofit/>
           </a:bodyPr>
           <a:lstStyle>
@@ -2469,15 +2500,19 @@
               </a:defRPr>
             </a:lvl9pPr>
           </a:lstStyle>
-          <a:p/>
+          <a:p>
+            <a:endParaRPr/>
+          </a:p>
         </p:txBody>
       </p:sp>
       <p:sp>
         <p:nvSpPr>
           <p:cNvPr id="22" name="Google Shape;22;p3"/>
-          <p:cNvSpPr txBox="1"/>
+          <p:cNvSpPr txBox="1">
+            <a:spLocks noGrp="1"/>
+          </p:cNvSpPr>
           <p:nvPr>
-            <p:ph idx="12" type="sldNum"/>
+            <p:ph type="sldNum" idx="12"/>
           </p:nvPr>
         </p:nvSpPr>
         <p:spPr>
@@ -2490,7 +2525,7 @@
           </a:prstGeom>
         </p:spPr>
         <p:txBody>
-          <a:bodyPr anchorCtr="0" anchor="ctr" bIns="91425" lIns="91425" spcFirstLastPara="1" rIns="91425" wrap="square" tIns="91425">
+          <a:bodyPr spcFirstLastPara="1" wrap="square" lIns="91425" tIns="91425" rIns="91425" bIns="91425" anchor="ctr" anchorCtr="0">
             <a:normAutofit/>
           </a:bodyPr>
           <a:lstStyle>
@@ -2568,7 +2603,7 @@
             </a:lvl9pPr>
           </a:lstStyle>
           <a:p>
-            <a:pPr indent="0" lvl="0" marL="0" rtl="0" algn="r">
+            <a:pPr marL="0" lvl="0" indent="0" algn="r" rtl="0">
               <a:spcBef>
                 <a:spcPts val="0"/>
               </a:spcBef>
@@ -2594,11 +2629,11 @@
 </file>
 
 <file path=ppt/slideLayouts/slideLayout3.xml><?xml version="1.0" encoding="utf-8"?>
-<p:sldLayout xmlns:a="http://schemas.openxmlformats.org/drawingml/2006/main" xmlns:r="http://schemas.openxmlformats.org/officeDocument/2006/relationships" xmlns:mc="http://schemas.openxmlformats.org/markup-compatibility/2006" xmlns:mv="urn:schemas-microsoft-com:mac:vml" xmlns:p="http://schemas.openxmlformats.org/presentationml/2006/main" xmlns:c="http://schemas.openxmlformats.org/drawingml/2006/chart" xmlns:dgm="http://schemas.openxmlformats.org/drawingml/2006/diagram" xmlns:o="urn:schemas-microsoft-com:office:office" xmlns:v="urn:schemas-microsoft-com:vml" xmlns:pvml="urn:schemas-microsoft-com:office:powerpoint" xmlns:com="http://schemas.openxmlformats.org/drawingml/2006/compatibility" xmlns:p14="http://schemas.microsoft.com/office/powerpoint/2010/main" xmlns:p15="http://schemas.microsoft.com/office/powerpoint/2012/main" xmlns:ahyp="http://schemas.microsoft.com/office/drawing/2018/hyperlinkcolor" matchingName="Title and body" type="tx">
+<p:sldLayout xmlns:a="http://schemas.openxmlformats.org/drawingml/2006/main" xmlns:r="http://schemas.openxmlformats.org/officeDocument/2006/relationships" xmlns:p="http://schemas.openxmlformats.org/presentationml/2006/main" matchingName="Title and body" type="tx">
   <p:cSld name="TITLE_AND_BODY">
     <p:spTree>
       <p:nvGrpSpPr>
-        <p:cNvPr id="23" name="Shape 23"/>
+        <p:cNvPr id="1" name="Shape 23"/>
         <p:cNvGrpSpPr/>
         <p:nvPr/>
       </p:nvGrpSpPr>
@@ -2632,12 +2667,12 @@
           </a:ln>
         </p:spPr>
         <p:txBody>
-          <a:bodyPr anchorCtr="0" anchor="ctr" bIns="91425" lIns="91425" spcFirstLastPara="1" rIns="91425" wrap="square" tIns="91425">
+          <a:bodyPr spcFirstLastPara="1" wrap="square" lIns="91425" tIns="91425" rIns="91425" bIns="91425" anchor="ctr" anchorCtr="0">
             <a:noAutofit/>
           </a:bodyPr>
           <a:lstStyle/>
           <a:p>
-            <a:pPr indent="0" lvl="0" marL="0" rtl="0" algn="l">
+            <a:pPr marL="0" lvl="0" indent="0" algn="l" rtl="0">
               <a:spcBef>
                 <a:spcPts val="0"/>
               </a:spcBef>
@@ -2646,9 +2681,6 @@
               </a:spcAft>
               <a:buNone/>
             </a:pPr>
-            <a:r>
-              <a:t/>
-            </a:r>
             <a:endParaRPr/>
           </a:p>
         </p:txBody>
@@ -2689,12 +2721,12 @@
             </a:ln>
           </p:spPr>
           <p:txBody>
-            <a:bodyPr anchorCtr="0" anchor="ctr" bIns="91425" lIns="91425" spcFirstLastPara="1" rIns="91425" wrap="square" tIns="91425">
+            <a:bodyPr spcFirstLastPara="1" wrap="square" lIns="91425" tIns="91425" rIns="91425" bIns="91425" anchor="ctr" anchorCtr="0">
               <a:noAutofit/>
             </a:bodyPr>
             <a:lstStyle/>
             <a:p>
-              <a:pPr indent="0" lvl="0" marL="0" rtl="0" algn="l">
+              <a:pPr marL="0" lvl="0" indent="0" algn="l" rtl="0">
                 <a:spcBef>
                   <a:spcPts val="0"/>
                 </a:spcBef>
@@ -2703,9 +2735,6 @@
                 </a:spcAft>
                 <a:buNone/>
               </a:pPr>
-              <a:r>
-                <a:t/>
-              </a:r>
               <a:endParaRPr/>
             </a:p>
           </p:txBody>
@@ -2732,12 +2761,12 @@
             </a:ln>
           </p:spPr>
           <p:txBody>
-            <a:bodyPr anchorCtr="0" anchor="ctr" bIns="91425" lIns="91425" spcFirstLastPara="1" rIns="91425" wrap="square" tIns="91425">
+            <a:bodyPr spcFirstLastPara="1" wrap="square" lIns="91425" tIns="91425" rIns="91425" bIns="91425" anchor="ctr" anchorCtr="0">
               <a:noAutofit/>
             </a:bodyPr>
             <a:lstStyle/>
             <a:p>
-              <a:pPr indent="0" lvl="0" marL="0" rtl="0" algn="l">
+              <a:pPr marL="0" lvl="0" indent="0" algn="l" rtl="0">
                 <a:spcBef>
                   <a:spcPts val="0"/>
                 </a:spcBef>
@@ -2746,9 +2775,6 @@
                 </a:spcAft>
                 <a:buNone/>
               </a:pPr>
-              <a:r>
-                <a:t/>
-              </a:r>
               <a:endParaRPr/>
             </a:p>
           </p:txBody>
@@ -2757,7 +2783,9 @@
       <p:sp>
         <p:nvSpPr>
           <p:cNvPr id="28" name="Google Shape;28;p4"/>
-          <p:cNvSpPr txBox="1"/>
+          <p:cNvSpPr txBox="1">
+            <a:spLocks noGrp="1"/>
+          </p:cNvSpPr>
           <p:nvPr>
             <p:ph type="title"/>
           </p:nvPr>
@@ -2772,7 +2800,7 @@
           </a:prstGeom>
         </p:spPr>
         <p:txBody>
-          <a:bodyPr anchorCtr="0" anchor="t" bIns="91425" lIns="91425" spcFirstLastPara="1" rIns="91425" wrap="square" tIns="91425">
+          <a:bodyPr spcFirstLastPara="1" wrap="square" lIns="91425" tIns="91425" rIns="91425" bIns="91425" anchor="t" anchorCtr="0">
             <a:normAutofit/>
           </a:bodyPr>
           <a:lstStyle>
@@ -2876,15 +2904,19 @@
               <a:defRPr sz="2600"/>
             </a:lvl9pPr>
           </a:lstStyle>
-          <a:p/>
+          <a:p>
+            <a:endParaRPr/>
+          </a:p>
         </p:txBody>
       </p:sp>
       <p:sp>
         <p:nvSpPr>
           <p:cNvPr id="29" name="Google Shape;29;p4"/>
-          <p:cNvSpPr txBox="1"/>
+          <p:cNvSpPr txBox="1">
+            <a:spLocks noGrp="1"/>
+          </p:cNvSpPr>
           <p:nvPr>
-            <p:ph idx="1" type="body"/>
+            <p:ph type="body" idx="1"/>
           </p:nvPr>
         </p:nvSpPr>
         <p:spPr>
@@ -2897,11 +2929,11 @@
           </a:prstGeom>
         </p:spPr>
         <p:txBody>
-          <a:bodyPr anchorCtr="0" anchor="t" bIns="91425" lIns="91425" spcFirstLastPara="1" rIns="91425" wrap="square" tIns="91425">
+          <a:bodyPr spcFirstLastPara="1" wrap="square" lIns="91425" tIns="91425" rIns="91425" bIns="91425" anchor="t" anchorCtr="0">
             <a:normAutofit/>
           </a:bodyPr>
           <a:lstStyle>
-            <a:lvl1pPr indent="-311150" lvl="0" marL="457200">
+            <a:lvl1pPr marL="457200" lvl="0" indent="-311150">
               <a:spcBef>
                 <a:spcPts val="0"/>
               </a:spcBef>
@@ -2912,7 +2944,7 @@
               <a:buChar char="●"/>
               <a:defRPr/>
             </a:lvl1pPr>
-            <a:lvl2pPr indent="-298450" lvl="1" marL="914400">
+            <a:lvl2pPr marL="914400" lvl="1" indent="-298450">
               <a:spcBef>
                 <a:spcPts val="0"/>
               </a:spcBef>
@@ -2923,7 +2955,7 @@
               <a:buChar char="○"/>
               <a:defRPr/>
             </a:lvl2pPr>
-            <a:lvl3pPr indent="-298450" lvl="2" marL="1371600">
+            <a:lvl3pPr marL="1371600" lvl="2" indent="-298450">
               <a:spcBef>
                 <a:spcPts val="0"/>
               </a:spcBef>
@@ -2934,7 +2966,7 @@
               <a:buChar char="■"/>
               <a:defRPr/>
             </a:lvl3pPr>
-            <a:lvl4pPr indent="-298450" lvl="3" marL="1828800">
+            <a:lvl4pPr marL="1828800" lvl="3" indent="-298450">
               <a:spcBef>
                 <a:spcPts val="0"/>
               </a:spcBef>
@@ -2945,7 +2977,7 @@
               <a:buChar char="●"/>
               <a:defRPr/>
             </a:lvl4pPr>
-            <a:lvl5pPr indent="-298450" lvl="4" marL="2286000">
+            <a:lvl5pPr marL="2286000" lvl="4" indent="-298450">
               <a:spcBef>
                 <a:spcPts val="0"/>
               </a:spcBef>
@@ -2956,7 +2988,7 @@
               <a:buChar char="○"/>
               <a:defRPr/>
             </a:lvl5pPr>
-            <a:lvl6pPr indent="-298450" lvl="5" marL="2743200">
+            <a:lvl6pPr marL="2743200" lvl="5" indent="-298450">
               <a:spcBef>
                 <a:spcPts val="0"/>
               </a:spcBef>
@@ -2967,7 +2999,7 @@
               <a:buChar char="■"/>
               <a:defRPr/>
             </a:lvl6pPr>
-            <a:lvl7pPr indent="-298450" lvl="6" marL="3200400">
+            <a:lvl7pPr marL="3200400" lvl="6" indent="-298450">
               <a:spcBef>
                 <a:spcPts val="0"/>
               </a:spcBef>
@@ -2978,7 +3010,7 @@
               <a:buChar char="●"/>
               <a:defRPr/>
             </a:lvl7pPr>
-            <a:lvl8pPr indent="-298450" lvl="7" marL="3657600">
+            <a:lvl8pPr marL="3657600" lvl="7" indent="-298450">
               <a:spcBef>
                 <a:spcPts val="0"/>
               </a:spcBef>
@@ -2989,7 +3021,7 @@
               <a:buChar char="○"/>
               <a:defRPr/>
             </a:lvl8pPr>
-            <a:lvl9pPr indent="-298450" lvl="8" marL="4114800">
+            <a:lvl9pPr marL="4114800" lvl="8" indent="-298450">
               <a:spcBef>
                 <a:spcPts val="0"/>
               </a:spcBef>
@@ -3001,15 +3033,19 @@
               <a:defRPr/>
             </a:lvl9pPr>
           </a:lstStyle>
-          <a:p/>
+          <a:p>
+            <a:endParaRPr/>
+          </a:p>
         </p:txBody>
       </p:sp>
       <p:sp>
         <p:nvSpPr>
           <p:cNvPr id="30" name="Google Shape;30;p4"/>
-          <p:cNvSpPr txBox="1"/>
+          <p:cNvSpPr txBox="1">
+            <a:spLocks noGrp="1"/>
+          </p:cNvSpPr>
           <p:nvPr>
-            <p:ph idx="12" type="sldNum"/>
+            <p:ph type="sldNum" idx="12"/>
           </p:nvPr>
         </p:nvSpPr>
         <p:spPr>
@@ -3022,7 +3058,7 @@
           </a:prstGeom>
         </p:spPr>
         <p:txBody>
-          <a:bodyPr anchorCtr="0" anchor="ctr" bIns="91425" lIns="91425" spcFirstLastPara="1" rIns="91425" wrap="square" tIns="91425">
+          <a:bodyPr spcFirstLastPara="1" wrap="square" lIns="91425" tIns="91425" rIns="91425" bIns="91425" anchor="ctr" anchorCtr="0">
             <a:normAutofit/>
           </a:bodyPr>
           <a:lstStyle>
@@ -3064,7 +3100,7 @@
             </a:lvl9pPr>
           </a:lstStyle>
           <a:p>
-            <a:pPr indent="0" lvl="0" marL="0" rtl="0" algn="r">
+            <a:pPr marL="0" lvl="0" indent="0" algn="r" rtl="0">
               <a:spcBef>
                 <a:spcPts val="0"/>
               </a:spcBef>
@@ -3090,11 +3126,11 @@
 </file>
 
 <file path=ppt/slideLayouts/slideLayout4.xml><?xml version="1.0" encoding="utf-8"?>
-<p:sldLayout xmlns:a="http://schemas.openxmlformats.org/drawingml/2006/main" xmlns:r="http://schemas.openxmlformats.org/officeDocument/2006/relationships" xmlns:mc="http://schemas.openxmlformats.org/markup-compatibility/2006" xmlns:mv="urn:schemas-microsoft-com:mac:vml" xmlns:p="http://schemas.openxmlformats.org/presentationml/2006/main" xmlns:c="http://schemas.openxmlformats.org/drawingml/2006/chart" xmlns:dgm="http://schemas.openxmlformats.org/drawingml/2006/diagram" xmlns:o="urn:schemas-microsoft-com:office:office" xmlns:v="urn:schemas-microsoft-com:vml" xmlns:pvml="urn:schemas-microsoft-com:office:powerpoint" xmlns:com="http://schemas.openxmlformats.org/drawingml/2006/compatibility" xmlns:p14="http://schemas.microsoft.com/office/powerpoint/2010/main" xmlns:p15="http://schemas.microsoft.com/office/powerpoint/2012/main" xmlns:ahyp="http://schemas.microsoft.com/office/drawing/2018/hyperlinkcolor" matchingName="Title and two columns" type="twoColTx">
+<p:sldLayout xmlns:a="http://schemas.openxmlformats.org/drawingml/2006/main" xmlns:r="http://schemas.openxmlformats.org/officeDocument/2006/relationships" xmlns:p="http://schemas.openxmlformats.org/presentationml/2006/main" matchingName="Title and two columns" type="twoColTx">
   <p:cSld name="TITLE_AND_TWO_COLUMNS">
     <p:spTree>
       <p:nvGrpSpPr>
-        <p:cNvPr id="31" name="Shape 31"/>
+        <p:cNvPr id="1" name="Shape 31"/>
         <p:cNvGrpSpPr/>
         <p:nvPr/>
       </p:nvGrpSpPr>
@@ -3128,12 +3164,12 @@
           </a:ln>
         </p:spPr>
         <p:txBody>
-          <a:bodyPr anchorCtr="0" anchor="ctr" bIns="91425" lIns="91425" spcFirstLastPara="1" rIns="91425" wrap="square" tIns="91425">
+          <a:bodyPr spcFirstLastPara="1" wrap="square" lIns="91425" tIns="91425" rIns="91425" bIns="91425" anchor="ctr" anchorCtr="0">
             <a:noAutofit/>
           </a:bodyPr>
           <a:lstStyle/>
           <a:p>
-            <a:pPr indent="0" lvl="0" marL="0" rtl="0" algn="l">
+            <a:pPr marL="0" lvl="0" indent="0" algn="l" rtl="0">
               <a:spcBef>
                 <a:spcPts val="0"/>
               </a:spcBef>
@@ -3142,9 +3178,6 @@
               </a:spcAft>
               <a:buNone/>
             </a:pPr>
-            <a:r>
-              <a:t/>
-            </a:r>
             <a:endParaRPr/>
           </a:p>
         </p:txBody>
@@ -3185,12 +3218,12 @@
             </a:ln>
           </p:spPr>
           <p:txBody>
-            <a:bodyPr anchorCtr="0" anchor="ctr" bIns="91425" lIns="91425" spcFirstLastPara="1" rIns="91425" wrap="square" tIns="91425">
+            <a:bodyPr spcFirstLastPara="1" wrap="square" lIns="91425" tIns="91425" rIns="91425" bIns="91425" anchor="ctr" anchorCtr="0">
               <a:noAutofit/>
             </a:bodyPr>
             <a:lstStyle/>
             <a:p>
-              <a:pPr indent="0" lvl="0" marL="0" rtl="0" algn="l">
+              <a:pPr marL="0" lvl="0" indent="0" algn="l" rtl="0">
                 <a:spcBef>
                   <a:spcPts val="0"/>
                 </a:spcBef>
@@ -3199,9 +3232,6 @@
                 </a:spcAft>
                 <a:buNone/>
               </a:pPr>
-              <a:r>
-                <a:t/>
-              </a:r>
               <a:endParaRPr/>
             </a:p>
           </p:txBody>
@@ -3228,12 +3258,12 @@
             </a:ln>
           </p:spPr>
           <p:txBody>
-            <a:bodyPr anchorCtr="0" anchor="ctr" bIns="91425" lIns="91425" spcFirstLastPara="1" rIns="91425" wrap="square" tIns="91425">
+            <a:bodyPr spcFirstLastPara="1" wrap="square" lIns="91425" tIns="91425" rIns="91425" bIns="91425" anchor="ctr" anchorCtr="0">
               <a:noAutofit/>
             </a:bodyPr>
             <a:lstStyle/>
             <a:p>
-              <a:pPr indent="0" lvl="0" marL="0" rtl="0" algn="l">
+              <a:pPr marL="0" lvl="0" indent="0" algn="l" rtl="0">
                 <a:spcBef>
                   <a:spcPts val="0"/>
                 </a:spcBef>
@@ -3242,9 +3272,6 @@
                 </a:spcAft>
                 <a:buNone/>
               </a:pPr>
-              <a:r>
-                <a:t/>
-              </a:r>
               <a:endParaRPr/>
             </a:p>
           </p:txBody>
@@ -3253,7 +3280,9 @@
       <p:sp>
         <p:nvSpPr>
           <p:cNvPr id="36" name="Google Shape;36;p5"/>
-          <p:cNvSpPr txBox="1"/>
+          <p:cNvSpPr txBox="1">
+            <a:spLocks noGrp="1"/>
+          </p:cNvSpPr>
           <p:nvPr>
             <p:ph type="title"/>
           </p:nvPr>
@@ -3268,7 +3297,7 @@
           </a:prstGeom>
         </p:spPr>
         <p:txBody>
-          <a:bodyPr anchorCtr="0" anchor="t" bIns="91425" lIns="91425" spcFirstLastPara="1" rIns="91425" wrap="square" tIns="91425">
+          <a:bodyPr spcFirstLastPara="1" wrap="square" lIns="91425" tIns="91425" rIns="91425" bIns="91425" anchor="t" anchorCtr="0">
             <a:normAutofit/>
           </a:bodyPr>
           <a:lstStyle>
@@ -3372,15 +3401,19 @@
               <a:defRPr sz="2600"/>
             </a:lvl9pPr>
           </a:lstStyle>
-          <a:p/>
+          <a:p>
+            <a:endParaRPr/>
+          </a:p>
         </p:txBody>
       </p:sp>
       <p:sp>
         <p:nvSpPr>
           <p:cNvPr id="37" name="Google Shape;37;p5"/>
-          <p:cNvSpPr txBox="1"/>
+          <p:cNvSpPr txBox="1">
+            <a:spLocks noGrp="1"/>
+          </p:cNvSpPr>
           <p:nvPr>
-            <p:ph idx="1" type="body"/>
+            <p:ph type="body" idx="1"/>
           </p:nvPr>
         </p:nvSpPr>
         <p:spPr>
@@ -3393,11 +3426,11 @@
           </a:prstGeom>
         </p:spPr>
         <p:txBody>
-          <a:bodyPr anchorCtr="0" anchor="t" bIns="91425" lIns="91425" spcFirstLastPara="1" rIns="91425" wrap="square" tIns="91425">
+          <a:bodyPr spcFirstLastPara="1" wrap="square" lIns="91425" tIns="91425" rIns="91425" bIns="91425" anchor="t" anchorCtr="0">
             <a:normAutofit/>
           </a:bodyPr>
           <a:lstStyle>
-            <a:lvl1pPr indent="-311150" lvl="0" marL="457200">
+            <a:lvl1pPr marL="457200" lvl="0" indent="-311150">
               <a:spcBef>
                 <a:spcPts val="0"/>
               </a:spcBef>
@@ -3408,7 +3441,7 @@
               <a:buChar char="●"/>
               <a:defRPr/>
             </a:lvl1pPr>
-            <a:lvl2pPr indent="-298450" lvl="1" marL="914400">
+            <a:lvl2pPr marL="914400" lvl="1" indent="-298450">
               <a:spcBef>
                 <a:spcPts val="0"/>
               </a:spcBef>
@@ -3419,7 +3452,7 @@
               <a:buChar char="○"/>
               <a:defRPr/>
             </a:lvl2pPr>
-            <a:lvl3pPr indent="-298450" lvl="2" marL="1371600">
+            <a:lvl3pPr marL="1371600" lvl="2" indent="-298450">
               <a:spcBef>
                 <a:spcPts val="0"/>
               </a:spcBef>
@@ -3430,7 +3463,7 @@
               <a:buChar char="■"/>
               <a:defRPr/>
             </a:lvl3pPr>
-            <a:lvl4pPr indent="-298450" lvl="3" marL="1828800">
+            <a:lvl4pPr marL="1828800" lvl="3" indent="-298450">
               <a:spcBef>
                 <a:spcPts val="0"/>
               </a:spcBef>
@@ -3441,7 +3474,7 @@
               <a:buChar char="●"/>
               <a:defRPr/>
             </a:lvl4pPr>
-            <a:lvl5pPr indent="-298450" lvl="4" marL="2286000">
+            <a:lvl5pPr marL="2286000" lvl="4" indent="-298450">
               <a:spcBef>
                 <a:spcPts val="0"/>
               </a:spcBef>
@@ -3452,7 +3485,7 @@
               <a:buChar char="○"/>
               <a:defRPr/>
             </a:lvl5pPr>
-            <a:lvl6pPr indent="-298450" lvl="5" marL="2743200">
+            <a:lvl6pPr marL="2743200" lvl="5" indent="-298450">
               <a:spcBef>
                 <a:spcPts val="0"/>
               </a:spcBef>
@@ -3463,7 +3496,7 @@
               <a:buChar char="■"/>
               <a:defRPr/>
             </a:lvl6pPr>
-            <a:lvl7pPr indent="-298450" lvl="6" marL="3200400">
+            <a:lvl7pPr marL="3200400" lvl="6" indent="-298450">
               <a:spcBef>
                 <a:spcPts val="0"/>
               </a:spcBef>
@@ -3474,7 +3507,7 @@
               <a:buChar char="●"/>
               <a:defRPr/>
             </a:lvl7pPr>
-            <a:lvl8pPr indent="-298450" lvl="7" marL="3657600">
+            <a:lvl8pPr marL="3657600" lvl="7" indent="-298450">
               <a:spcBef>
                 <a:spcPts val="0"/>
               </a:spcBef>
@@ -3485,7 +3518,7 @@
               <a:buChar char="○"/>
               <a:defRPr/>
             </a:lvl8pPr>
-            <a:lvl9pPr indent="-298450" lvl="8" marL="4114800">
+            <a:lvl9pPr marL="4114800" lvl="8" indent="-298450">
               <a:spcBef>
                 <a:spcPts val="0"/>
               </a:spcBef>
@@ -3497,15 +3530,19 @@
               <a:defRPr/>
             </a:lvl9pPr>
           </a:lstStyle>
-          <a:p/>
+          <a:p>
+            <a:endParaRPr/>
+          </a:p>
         </p:txBody>
       </p:sp>
       <p:sp>
         <p:nvSpPr>
           <p:cNvPr id="38" name="Google Shape;38;p5"/>
-          <p:cNvSpPr txBox="1"/>
+          <p:cNvSpPr txBox="1">
+            <a:spLocks noGrp="1"/>
+          </p:cNvSpPr>
           <p:nvPr>
-            <p:ph idx="2" type="body"/>
+            <p:ph type="body" idx="2"/>
           </p:nvPr>
         </p:nvSpPr>
         <p:spPr>
@@ -3518,11 +3555,11 @@
           </a:prstGeom>
         </p:spPr>
         <p:txBody>
-          <a:bodyPr anchorCtr="0" anchor="t" bIns="91425" lIns="91425" spcFirstLastPara="1" rIns="91425" wrap="square" tIns="91425">
+          <a:bodyPr spcFirstLastPara="1" wrap="square" lIns="91425" tIns="91425" rIns="91425" bIns="91425" anchor="t" anchorCtr="0">
             <a:normAutofit/>
           </a:bodyPr>
           <a:lstStyle>
-            <a:lvl1pPr indent="-311150" lvl="0" marL="457200">
+            <a:lvl1pPr marL="457200" lvl="0" indent="-311150">
               <a:spcBef>
                 <a:spcPts val="0"/>
               </a:spcBef>
@@ -3533,7 +3570,7 @@
               <a:buChar char="●"/>
               <a:defRPr/>
             </a:lvl1pPr>
-            <a:lvl2pPr indent="-298450" lvl="1" marL="914400">
+            <a:lvl2pPr marL="914400" lvl="1" indent="-298450">
               <a:spcBef>
                 <a:spcPts val="0"/>
               </a:spcBef>
@@ -3544,7 +3581,7 @@
               <a:buChar char="○"/>
               <a:defRPr/>
             </a:lvl2pPr>
-            <a:lvl3pPr indent="-298450" lvl="2" marL="1371600">
+            <a:lvl3pPr marL="1371600" lvl="2" indent="-298450">
               <a:spcBef>
                 <a:spcPts val="0"/>
               </a:spcBef>
@@ -3555,7 +3592,7 @@
               <a:buChar char="■"/>
               <a:defRPr/>
             </a:lvl3pPr>
-            <a:lvl4pPr indent="-298450" lvl="3" marL="1828800">
+            <a:lvl4pPr marL="1828800" lvl="3" indent="-298450">
               <a:spcBef>
                 <a:spcPts val="0"/>
               </a:spcBef>
@@ -3566,7 +3603,7 @@
               <a:buChar char="●"/>
               <a:defRPr/>
             </a:lvl4pPr>
-            <a:lvl5pPr indent="-298450" lvl="4" marL="2286000">
+            <a:lvl5pPr marL="2286000" lvl="4" indent="-298450">
               <a:spcBef>
                 <a:spcPts val="0"/>
               </a:spcBef>
@@ -3577,7 +3614,7 @@
               <a:buChar char="○"/>
               <a:defRPr/>
             </a:lvl5pPr>
-            <a:lvl6pPr indent="-298450" lvl="5" marL="2743200">
+            <a:lvl6pPr marL="2743200" lvl="5" indent="-298450">
               <a:spcBef>
                 <a:spcPts val="0"/>
               </a:spcBef>
@@ -3588,7 +3625,7 @@
               <a:buChar char="■"/>
               <a:defRPr/>
             </a:lvl6pPr>
-            <a:lvl7pPr indent="-298450" lvl="6" marL="3200400">
+            <a:lvl7pPr marL="3200400" lvl="6" indent="-298450">
               <a:spcBef>
                 <a:spcPts val="0"/>
               </a:spcBef>
@@ -3599,7 +3636,7 @@
               <a:buChar char="●"/>
               <a:defRPr/>
             </a:lvl7pPr>
-            <a:lvl8pPr indent="-298450" lvl="7" marL="3657600">
+            <a:lvl8pPr marL="3657600" lvl="7" indent="-298450">
               <a:spcBef>
                 <a:spcPts val="0"/>
               </a:spcBef>
@@ -3610,7 +3647,7 @@
               <a:buChar char="○"/>
               <a:defRPr/>
             </a:lvl8pPr>
-            <a:lvl9pPr indent="-298450" lvl="8" marL="4114800">
+            <a:lvl9pPr marL="4114800" lvl="8" indent="-298450">
               <a:spcBef>
                 <a:spcPts val="0"/>
               </a:spcBef>
@@ -3622,15 +3659,19 @@
               <a:defRPr/>
             </a:lvl9pPr>
           </a:lstStyle>
-          <a:p/>
+          <a:p>
+            <a:endParaRPr/>
+          </a:p>
         </p:txBody>
       </p:sp>
       <p:sp>
         <p:nvSpPr>
           <p:cNvPr id="39" name="Google Shape;39;p5"/>
-          <p:cNvSpPr txBox="1"/>
+          <p:cNvSpPr txBox="1">
+            <a:spLocks noGrp="1"/>
+          </p:cNvSpPr>
           <p:nvPr>
-            <p:ph idx="12" type="sldNum"/>
+            <p:ph type="sldNum" idx="12"/>
           </p:nvPr>
         </p:nvSpPr>
         <p:spPr>
@@ -3643,7 +3684,7 @@
           </a:prstGeom>
         </p:spPr>
         <p:txBody>
-          <a:bodyPr anchorCtr="0" anchor="ctr" bIns="91425" lIns="91425" spcFirstLastPara="1" rIns="91425" wrap="square" tIns="91425">
+          <a:bodyPr spcFirstLastPara="1" wrap="square" lIns="91425" tIns="91425" rIns="91425" bIns="91425" anchor="ctr" anchorCtr="0">
             <a:normAutofit/>
           </a:bodyPr>
           <a:lstStyle>
@@ -3685,7 +3726,7 @@
             </a:lvl9pPr>
           </a:lstStyle>
           <a:p>
-            <a:pPr indent="0" lvl="0" marL="0" rtl="0" algn="r">
+            <a:pPr marL="0" lvl="0" indent="0" algn="r" rtl="0">
               <a:spcBef>
                 <a:spcPts val="0"/>
               </a:spcBef>
@@ -3711,11 +3752,11 @@
 </file>
 
 <file path=ppt/slideLayouts/slideLayout5.xml><?xml version="1.0" encoding="utf-8"?>
-<p:sldLayout xmlns:a="http://schemas.openxmlformats.org/drawingml/2006/main" xmlns:r="http://schemas.openxmlformats.org/officeDocument/2006/relationships" xmlns:mc="http://schemas.openxmlformats.org/markup-compatibility/2006" xmlns:mv="urn:schemas-microsoft-com:mac:vml" xmlns:p="http://schemas.openxmlformats.org/presentationml/2006/main" xmlns:c="http://schemas.openxmlformats.org/drawingml/2006/chart" xmlns:dgm="http://schemas.openxmlformats.org/drawingml/2006/diagram" xmlns:o="urn:schemas-microsoft-com:office:office" xmlns:v="urn:schemas-microsoft-com:vml" xmlns:pvml="urn:schemas-microsoft-com:office:powerpoint" xmlns:com="http://schemas.openxmlformats.org/drawingml/2006/compatibility" xmlns:p14="http://schemas.microsoft.com/office/powerpoint/2010/main" xmlns:p15="http://schemas.microsoft.com/office/powerpoint/2012/main" xmlns:ahyp="http://schemas.microsoft.com/office/drawing/2018/hyperlinkcolor" matchingName="Title only" type="titleOnly">
+<p:sldLayout xmlns:a="http://schemas.openxmlformats.org/drawingml/2006/main" xmlns:r="http://schemas.openxmlformats.org/officeDocument/2006/relationships" xmlns:p="http://schemas.openxmlformats.org/presentationml/2006/main" matchingName="Title only" type="titleOnly">
   <p:cSld name="TITLE_ONLY">
     <p:spTree>
       <p:nvGrpSpPr>
-        <p:cNvPr id="40" name="Shape 40"/>
+        <p:cNvPr id="1" name="Shape 40"/>
         <p:cNvGrpSpPr/>
         <p:nvPr/>
       </p:nvGrpSpPr>
@@ -3749,12 +3790,12 @@
           </a:ln>
         </p:spPr>
         <p:txBody>
-          <a:bodyPr anchorCtr="0" anchor="ctr" bIns="91425" lIns="91425" spcFirstLastPara="1" rIns="91425" wrap="square" tIns="91425">
+          <a:bodyPr spcFirstLastPara="1" wrap="square" lIns="91425" tIns="91425" rIns="91425" bIns="91425" anchor="ctr" anchorCtr="0">
             <a:noAutofit/>
           </a:bodyPr>
           <a:lstStyle/>
           <a:p>
-            <a:pPr indent="0" lvl="0" marL="0" rtl="0" algn="l">
+            <a:pPr marL="0" lvl="0" indent="0" algn="l" rtl="0">
               <a:spcBef>
                 <a:spcPts val="0"/>
               </a:spcBef>
@@ -3763,9 +3804,6 @@
               </a:spcAft>
               <a:buNone/>
             </a:pPr>
-            <a:r>
-              <a:t/>
-            </a:r>
             <a:endParaRPr/>
           </a:p>
         </p:txBody>
@@ -3806,12 +3844,12 @@
             </a:ln>
           </p:spPr>
           <p:txBody>
-            <a:bodyPr anchorCtr="0" anchor="ctr" bIns="91425" lIns="91425" spcFirstLastPara="1" rIns="91425" wrap="square" tIns="91425">
+            <a:bodyPr spcFirstLastPara="1" wrap="square" lIns="91425" tIns="91425" rIns="91425" bIns="91425" anchor="ctr" anchorCtr="0">
               <a:noAutofit/>
             </a:bodyPr>
             <a:lstStyle/>
             <a:p>
-              <a:pPr indent="0" lvl="0" marL="0" rtl="0" algn="l">
+              <a:pPr marL="0" lvl="0" indent="0" algn="l" rtl="0">
                 <a:spcBef>
                   <a:spcPts val="0"/>
                 </a:spcBef>
@@ -3820,9 +3858,6 @@
                 </a:spcAft>
                 <a:buNone/>
               </a:pPr>
-              <a:r>
-                <a:t/>
-              </a:r>
               <a:endParaRPr/>
             </a:p>
           </p:txBody>
@@ -3849,12 +3884,12 @@
             </a:ln>
           </p:spPr>
           <p:txBody>
-            <a:bodyPr anchorCtr="0" anchor="ctr" bIns="91425" lIns="91425" spcFirstLastPara="1" rIns="91425" wrap="square" tIns="91425">
+            <a:bodyPr spcFirstLastPara="1" wrap="square" lIns="91425" tIns="91425" rIns="91425" bIns="91425" anchor="ctr" anchorCtr="0">
               <a:noAutofit/>
             </a:bodyPr>
             <a:lstStyle/>
             <a:p>
-              <a:pPr indent="0" lvl="0" marL="0" rtl="0" algn="l">
+              <a:pPr marL="0" lvl="0" indent="0" algn="l" rtl="0">
                 <a:spcBef>
                   <a:spcPts val="0"/>
                 </a:spcBef>
@@ -3863,9 +3898,6 @@
                 </a:spcAft>
                 <a:buNone/>
               </a:pPr>
-              <a:r>
-                <a:t/>
-              </a:r>
               <a:endParaRPr/>
             </a:p>
           </p:txBody>
@@ -3874,7 +3906,9 @@
       <p:sp>
         <p:nvSpPr>
           <p:cNvPr id="45" name="Google Shape;45;p6"/>
-          <p:cNvSpPr txBox="1"/>
+          <p:cNvSpPr txBox="1">
+            <a:spLocks noGrp="1"/>
+          </p:cNvSpPr>
           <p:nvPr>
             <p:ph type="title"/>
           </p:nvPr>
@@ -3889,7 +3923,7 @@
           </a:prstGeom>
         </p:spPr>
         <p:txBody>
-          <a:bodyPr anchorCtr="0" anchor="t" bIns="91425" lIns="91425" spcFirstLastPara="1" rIns="91425" wrap="square" tIns="91425">
+          <a:bodyPr spcFirstLastPara="1" wrap="square" lIns="91425" tIns="91425" rIns="91425" bIns="91425" anchor="t" anchorCtr="0">
             <a:normAutofit/>
           </a:bodyPr>
           <a:lstStyle>
@@ -3993,15 +4027,19 @@
               <a:defRPr sz="2600"/>
             </a:lvl9pPr>
           </a:lstStyle>
-          <a:p/>
+          <a:p>
+            <a:endParaRPr/>
+          </a:p>
         </p:txBody>
       </p:sp>
       <p:sp>
         <p:nvSpPr>
           <p:cNvPr id="46" name="Google Shape;46;p6"/>
-          <p:cNvSpPr txBox="1"/>
+          <p:cNvSpPr txBox="1">
+            <a:spLocks noGrp="1"/>
+          </p:cNvSpPr>
           <p:nvPr>
-            <p:ph idx="12" type="sldNum"/>
+            <p:ph type="sldNum" idx="12"/>
           </p:nvPr>
         </p:nvSpPr>
         <p:spPr>
@@ -4014,7 +4052,7 @@
           </a:prstGeom>
         </p:spPr>
         <p:txBody>
-          <a:bodyPr anchorCtr="0" anchor="ctr" bIns="91425" lIns="91425" spcFirstLastPara="1" rIns="91425" wrap="square" tIns="91425">
+          <a:bodyPr spcFirstLastPara="1" wrap="square" lIns="91425" tIns="91425" rIns="91425" bIns="91425" anchor="ctr" anchorCtr="0">
             <a:normAutofit/>
           </a:bodyPr>
           <a:lstStyle>
@@ -4056,7 +4094,7 @@
             </a:lvl9pPr>
           </a:lstStyle>
           <a:p>
-            <a:pPr indent="0" lvl="0" marL="0" rtl="0" algn="r">
+            <a:pPr marL="0" lvl="0" indent="0" algn="r" rtl="0">
               <a:spcBef>
                 <a:spcPts val="0"/>
               </a:spcBef>
@@ -4082,11 +4120,11 @@
 </file>
 
 <file path=ppt/slideLayouts/slideLayout6.xml><?xml version="1.0" encoding="utf-8"?>
-<p:sldLayout xmlns:a="http://schemas.openxmlformats.org/drawingml/2006/main" xmlns:r="http://schemas.openxmlformats.org/officeDocument/2006/relationships" xmlns:mc="http://schemas.openxmlformats.org/markup-compatibility/2006" xmlns:mv="urn:schemas-microsoft-com:mac:vml" xmlns:p="http://schemas.openxmlformats.org/presentationml/2006/main" xmlns:c="http://schemas.openxmlformats.org/drawingml/2006/chart" xmlns:dgm="http://schemas.openxmlformats.org/drawingml/2006/diagram" xmlns:o="urn:schemas-microsoft-com:office:office" xmlns:v="urn:schemas-microsoft-com:vml" xmlns:pvml="urn:schemas-microsoft-com:office:powerpoint" xmlns:com="http://schemas.openxmlformats.org/drawingml/2006/compatibility" xmlns:p14="http://schemas.microsoft.com/office/powerpoint/2010/main" xmlns:p15="http://schemas.microsoft.com/office/powerpoint/2012/main" xmlns:ahyp="http://schemas.microsoft.com/office/drawing/2018/hyperlinkcolor" matchingName="One column text">
+<p:sldLayout xmlns:a="http://schemas.openxmlformats.org/drawingml/2006/main" xmlns:r="http://schemas.openxmlformats.org/officeDocument/2006/relationships" xmlns:p="http://schemas.openxmlformats.org/presentationml/2006/main" matchingName="One column text">
   <p:cSld name="ONE_COLUMN_TEXT">
     <p:spTree>
       <p:nvGrpSpPr>
-        <p:cNvPr id="47" name="Shape 47"/>
+        <p:cNvPr id="1" name="Shape 47"/>
         <p:cNvGrpSpPr/>
         <p:nvPr/>
       </p:nvGrpSpPr>
@@ -4120,12 +4158,12 @@
           </a:ln>
         </p:spPr>
         <p:txBody>
-          <a:bodyPr anchorCtr="0" anchor="ctr" bIns="91425" lIns="91425" spcFirstLastPara="1" rIns="91425" wrap="square" tIns="91425">
+          <a:bodyPr spcFirstLastPara="1" wrap="square" lIns="91425" tIns="91425" rIns="91425" bIns="91425" anchor="ctr" anchorCtr="0">
             <a:noAutofit/>
           </a:bodyPr>
           <a:lstStyle/>
           <a:p>
-            <a:pPr indent="0" lvl="0" marL="0" rtl="0" algn="l">
+            <a:pPr marL="0" lvl="0" indent="0" algn="l" rtl="0">
               <a:spcBef>
                 <a:spcPts val="0"/>
               </a:spcBef>
@@ -4134,9 +4172,6 @@
               </a:spcAft>
               <a:buNone/>
             </a:pPr>
-            <a:r>
-              <a:t/>
-            </a:r>
             <a:endParaRPr/>
           </a:p>
         </p:txBody>
@@ -4177,12 +4212,12 @@
             </a:ln>
           </p:spPr>
           <p:txBody>
-            <a:bodyPr anchorCtr="0" anchor="ctr" bIns="91425" lIns="91425" spcFirstLastPara="1" rIns="91425" wrap="square" tIns="91425">
+            <a:bodyPr spcFirstLastPara="1" wrap="square" lIns="91425" tIns="91425" rIns="91425" bIns="91425" anchor="ctr" anchorCtr="0">
               <a:noAutofit/>
             </a:bodyPr>
             <a:lstStyle/>
             <a:p>
-              <a:pPr indent="0" lvl="0" marL="0" rtl="0" algn="l">
+              <a:pPr marL="0" lvl="0" indent="0" algn="l" rtl="0">
                 <a:spcBef>
                   <a:spcPts val="0"/>
                 </a:spcBef>
@@ -4191,9 +4226,6 @@
                 </a:spcAft>
                 <a:buNone/>
               </a:pPr>
-              <a:r>
-                <a:t/>
-              </a:r>
               <a:endParaRPr/>
             </a:p>
           </p:txBody>
@@ -4220,12 +4252,12 @@
             </a:ln>
           </p:spPr>
           <p:txBody>
-            <a:bodyPr anchorCtr="0" anchor="ctr" bIns="91425" lIns="91425" spcFirstLastPara="1" rIns="91425" wrap="square" tIns="91425">
+            <a:bodyPr spcFirstLastPara="1" wrap="square" lIns="91425" tIns="91425" rIns="91425" bIns="91425" anchor="ctr" anchorCtr="0">
               <a:noAutofit/>
             </a:bodyPr>
             <a:lstStyle/>
             <a:p>
-              <a:pPr indent="0" lvl="0" marL="0" rtl="0" algn="l">
+              <a:pPr marL="0" lvl="0" indent="0" algn="l" rtl="0">
                 <a:spcBef>
                   <a:spcPts val="0"/>
                 </a:spcBef>
@@ -4234,9 +4266,6 @@
                 </a:spcAft>
                 <a:buNone/>
               </a:pPr>
-              <a:r>
-                <a:t/>
-              </a:r>
               <a:endParaRPr/>
             </a:p>
           </p:txBody>
@@ -4245,7 +4274,9 @@
       <p:sp>
         <p:nvSpPr>
           <p:cNvPr id="52" name="Google Shape;52;p7"/>
-          <p:cNvSpPr txBox="1"/>
+          <p:cNvSpPr txBox="1">
+            <a:spLocks noGrp="1"/>
+          </p:cNvSpPr>
           <p:nvPr>
             <p:ph type="title"/>
           </p:nvPr>
@@ -4260,7 +4291,7 @@
           </a:prstGeom>
         </p:spPr>
         <p:txBody>
-          <a:bodyPr anchorCtr="0" anchor="t" bIns="91425" lIns="91425" spcFirstLastPara="1" rIns="91425" wrap="square" tIns="91425">
+          <a:bodyPr spcFirstLastPara="1" wrap="square" lIns="91425" tIns="91425" rIns="91425" bIns="91425" anchor="t" anchorCtr="0">
             <a:normAutofit/>
           </a:bodyPr>
           <a:lstStyle>
@@ -4364,15 +4395,19 @@
               <a:defRPr sz="2600"/>
             </a:lvl9pPr>
           </a:lstStyle>
-          <a:p/>
+          <a:p>
+            <a:endParaRPr/>
+          </a:p>
         </p:txBody>
       </p:sp>
       <p:sp>
         <p:nvSpPr>
           <p:cNvPr id="53" name="Google Shape;53;p7"/>
-          <p:cNvSpPr txBox="1"/>
+          <p:cNvSpPr txBox="1">
+            <a:spLocks noGrp="1"/>
+          </p:cNvSpPr>
           <p:nvPr>
-            <p:ph idx="1" type="body"/>
+            <p:ph type="body" idx="1"/>
           </p:nvPr>
         </p:nvSpPr>
         <p:spPr>
@@ -4385,11 +4420,11 @@
           </a:prstGeom>
         </p:spPr>
         <p:txBody>
-          <a:bodyPr anchorCtr="0" anchor="t" bIns="91425" lIns="91425" spcFirstLastPara="1" rIns="91425" wrap="square" tIns="91425">
+          <a:bodyPr spcFirstLastPara="1" wrap="square" lIns="91425" tIns="91425" rIns="91425" bIns="91425" anchor="t" anchorCtr="0">
             <a:normAutofit/>
           </a:bodyPr>
           <a:lstStyle>
-            <a:lvl1pPr indent="-311150" lvl="0" marL="457200">
+            <a:lvl1pPr marL="457200" lvl="0" indent="-311150">
               <a:spcBef>
                 <a:spcPts val="0"/>
               </a:spcBef>
@@ -4400,7 +4435,7 @@
               <a:buChar char="●"/>
               <a:defRPr/>
             </a:lvl1pPr>
-            <a:lvl2pPr indent="-298450" lvl="1" marL="914400">
+            <a:lvl2pPr marL="914400" lvl="1" indent="-298450">
               <a:spcBef>
                 <a:spcPts val="0"/>
               </a:spcBef>
@@ -4411,7 +4446,7 @@
               <a:buChar char="○"/>
               <a:defRPr/>
             </a:lvl2pPr>
-            <a:lvl3pPr indent="-298450" lvl="2" marL="1371600">
+            <a:lvl3pPr marL="1371600" lvl="2" indent="-298450">
               <a:spcBef>
                 <a:spcPts val="0"/>
               </a:spcBef>
@@ -4422,7 +4457,7 @@
               <a:buChar char="■"/>
               <a:defRPr/>
             </a:lvl3pPr>
-            <a:lvl4pPr indent="-298450" lvl="3" marL="1828800">
+            <a:lvl4pPr marL="1828800" lvl="3" indent="-298450">
               <a:spcBef>
                 <a:spcPts val="0"/>
               </a:spcBef>
@@ -4433,7 +4468,7 @@
               <a:buChar char="●"/>
               <a:defRPr/>
             </a:lvl4pPr>
-            <a:lvl5pPr indent="-298450" lvl="4" marL="2286000">
+            <a:lvl5pPr marL="2286000" lvl="4" indent="-298450">
               <a:spcBef>
                 <a:spcPts val="0"/>
               </a:spcBef>
@@ -4444,7 +4479,7 @@
               <a:buChar char="○"/>
               <a:defRPr/>
             </a:lvl5pPr>
-            <a:lvl6pPr indent="-298450" lvl="5" marL="2743200">
+            <a:lvl6pPr marL="2743200" lvl="5" indent="-298450">
               <a:spcBef>
                 <a:spcPts val="0"/>
               </a:spcBef>
@@ -4455,7 +4490,7 @@
               <a:buChar char="■"/>
               <a:defRPr/>
             </a:lvl6pPr>
-            <a:lvl7pPr indent="-298450" lvl="6" marL="3200400">
+            <a:lvl7pPr marL="3200400" lvl="6" indent="-298450">
               <a:spcBef>
                 <a:spcPts val="0"/>
               </a:spcBef>
@@ -4466,7 +4501,7 @@
               <a:buChar char="●"/>
               <a:defRPr/>
             </a:lvl7pPr>
-            <a:lvl8pPr indent="-298450" lvl="7" marL="3657600">
+            <a:lvl8pPr marL="3657600" lvl="7" indent="-298450">
               <a:spcBef>
                 <a:spcPts val="0"/>
               </a:spcBef>
@@ -4477,7 +4512,7 @@
               <a:buChar char="○"/>
               <a:defRPr/>
             </a:lvl8pPr>
-            <a:lvl9pPr indent="-298450" lvl="8" marL="4114800">
+            <a:lvl9pPr marL="4114800" lvl="8" indent="-298450">
               <a:spcBef>
                 <a:spcPts val="0"/>
               </a:spcBef>
@@ -4489,15 +4524,19 @@
               <a:defRPr/>
             </a:lvl9pPr>
           </a:lstStyle>
-          <a:p/>
+          <a:p>
+            <a:endParaRPr/>
+          </a:p>
         </p:txBody>
       </p:sp>
       <p:sp>
         <p:nvSpPr>
           <p:cNvPr id="54" name="Google Shape;54;p7"/>
-          <p:cNvSpPr txBox="1"/>
+          <p:cNvSpPr txBox="1">
+            <a:spLocks noGrp="1"/>
+          </p:cNvSpPr>
           <p:nvPr>
-            <p:ph idx="12" type="sldNum"/>
+            <p:ph type="sldNum" idx="12"/>
           </p:nvPr>
         </p:nvSpPr>
         <p:spPr>
@@ -4510,7 +4549,7 @@
           </a:prstGeom>
         </p:spPr>
         <p:txBody>
-          <a:bodyPr anchorCtr="0" anchor="ctr" bIns="91425" lIns="91425" spcFirstLastPara="1" rIns="91425" wrap="square" tIns="91425">
+          <a:bodyPr spcFirstLastPara="1" wrap="square" lIns="91425" tIns="91425" rIns="91425" bIns="91425" anchor="ctr" anchorCtr="0">
             <a:normAutofit/>
           </a:bodyPr>
           <a:lstStyle>
@@ -4552,7 +4591,7 @@
             </a:lvl9pPr>
           </a:lstStyle>
           <a:p>
-            <a:pPr indent="0" lvl="0" marL="0" rtl="0" algn="r">
+            <a:pPr marL="0" lvl="0" indent="0" algn="r" rtl="0">
               <a:spcBef>
                 <a:spcPts val="0"/>
               </a:spcBef>
@@ -4578,18 +4617,19 @@
 </file>
 
 <file path=ppt/slideLayouts/slideLayout7.xml><?xml version="1.0" encoding="utf-8"?>
-<p:sldLayout xmlns:a="http://schemas.openxmlformats.org/drawingml/2006/main" xmlns:r="http://schemas.openxmlformats.org/officeDocument/2006/relationships" xmlns:mc="http://schemas.openxmlformats.org/markup-compatibility/2006" xmlns:mv="urn:schemas-microsoft-com:mac:vml" xmlns:p="http://schemas.openxmlformats.org/presentationml/2006/main" xmlns:c="http://schemas.openxmlformats.org/drawingml/2006/chart" xmlns:dgm="http://schemas.openxmlformats.org/drawingml/2006/diagram" xmlns:o="urn:schemas-microsoft-com:office:office" xmlns:v="urn:schemas-microsoft-com:vml" xmlns:pvml="urn:schemas-microsoft-com:office:powerpoint" xmlns:com="http://schemas.openxmlformats.org/drawingml/2006/compatibility" xmlns:p14="http://schemas.microsoft.com/office/powerpoint/2010/main" xmlns:p15="http://schemas.microsoft.com/office/powerpoint/2012/main" xmlns:ahyp="http://schemas.microsoft.com/office/drawing/2018/hyperlinkcolor" matchingName="Main point">
+<p:sldLayout xmlns:a="http://schemas.openxmlformats.org/drawingml/2006/main" xmlns:r="http://schemas.openxmlformats.org/officeDocument/2006/relationships" xmlns:p="http://schemas.openxmlformats.org/presentationml/2006/main" matchingName="Main point">
   <p:cSld name="MAIN_POINT">
     <p:bg>
       <p:bgPr>
         <a:solidFill>
           <a:schemeClr val="accent3"/>
         </a:solidFill>
+        <a:effectLst/>
       </p:bgPr>
     </p:bg>
     <p:spTree>
       <p:nvGrpSpPr>
-        <p:cNvPr id="55" name="Shape 55"/>
+        <p:cNvPr id="1" name="Shape 55"/>
         <p:cNvGrpSpPr/>
         <p:nvPr/>
       </p:nvGrpSpPr>
@@ -4637,12 +4677,12 @@
             </a:ln>
           </p:spPr>
           <p:txBody>
-            <a:bodyPr anchorCtr="0" anchor="ctr" bIns="91425" lIns="91425" spcFirstLastPara="1" rIns="91425" wrap="square" tIns="91425">
+            <a:bodyPr spcFirstLastPara="1" wrap="square" lIns="91425" tIns="91425" rIns="91425" bIns="91425" anchor="ctr" anchorCtr="0">
               <a:noAutofit/>
             </a:bodyPr>
             <a:lstStyle/>
             <a:p>
-              <a:pPr indent="0" lvl="0" marL="0" rtl="0" algn="l">
+              <a:pPr marL="0" lvl="0" indent="0" algn="l" rtl="0">
                 <a:spcBef>
                   <a:spcPts val="0"/>
                 </a:spcBef>
@@ -4651,9 +4691,6 @@
                 </a:spcAft>
                 <a:buNone/>
               </a:pPr>
-              <a:r>
-                <a:t/>
-              </a:r>
               <a:endParaRPr/>
             </a:p>
           </p:txBody>
@@ -4680,12 +4717,12 @@
             </a:ln>
           </p:spPr>
           <p:txBody>
-            <a:bodyPr anchorCtr="0" anchor="ctr" bIns="91425" lIns="91425" spcFirstLastPara="1" rIns="91425" wrap="square" tIns="91425">
+            <a:bodyPr spcFirstLastPara="1" wrap="square" lIns="91425" tIns="91425" rIns="91425" bIns="91425" anchor="ctr" anchorCtr="0">
               <a:noAutofit/>
             </a:bodyPr>
             <a:lstStyle/>
             <a:p>
-              <a:pPr indent="0" lvl="0" marL="0" rtl="0" algn="l">
+              <a:pPr marL="0" lvl="0" indent="0" algn="l" rtl="0">
                 <a:spcBef>
                   <a:spcPts val="0"/>
                 </a:spcBef>
@@ -4694,9 +4731,6 @@
                 </a:spcAft>
                 <a:buNone/>
               </a:pPr>
-              <a:r>
-                <a:t/>
-              </a:r>
               <a:endParaRPr/>
             </a:p>
           </p:txBody>
@@ -4705,7 +4739,9 @@
       <p:sp>
         <p:nvSpPr>
           <p:cNvPr id="59" name="Google Shape;59;p8"/>
-          <p:cNvSpPr txBox="1"/>
+          <p:cNvSpPr txBox="1">
+            <a:spLocks noGrp="1"/>
+          </p:cNvSpPr>
           <p:nvPr>
             <p:ph type="title"/>
           </p:nvPr>
@@ -4720,7 +4756,7 @@
           </a:prstGeom>
         </p:spPr>
         <p:txBody>
-          <a:bodyPr anchorCtr="0" anchor="ctr" bIns="91425" lIns="91425" spcFirstLastPara="1" rIns="91425" wrap="square" tIns="91425">
+          <a:bodyPr spcFirstLastPara="1" wrap="square" lIns="91425" tIns="91425" rIns="91425" bIns="91425" anchor="ctr" anchorCtr="0">
             <a:normAutofit/>
           </a:bodyPr>
           <a:lstStyle>
@@ -4887,15 +4923,19 @@
               </a:defRPr>
             </a:lvl9pPr>
           </a:lstStyle>
-          <a:p/>
+          <a:p>
+            <a:endParaRPr/>
+          </a:p>
         </p:txBody>
       </p:sp>
       <p:sp>
         <p:nvSpPr>
           <p:cNvPr id="60" name="Google Shape;60;p8"/>
-          <p:cNvSpPr txBox="1"/>
+          <p:cNvSpPr txBox="1">
+            <a:spLocks noGrp="1"/>
+          </p:cNvSpPr>
           <p:nvPr>
-            <p:ph idx="12" type="sldNum"/>
+            <p:ph type="sldNum" idx="12"/>
           </p:nvPr>
         </p:nvSpPr>
         <p:spPr>
@@ -4908,7 +4948,7 @@
           </a:prstGeom>
         </p:spPr>
         <p:txBody>
-          <a:bodyPr anchorCtr="0" anchor="ctr" bIns="91425" lIns="91425" spcFirstLastPara="1" rIns="91425" wrap="square" tIns="91425">
+          <a:bodyPr spcFirstLastPara="1" wrap="square" lIns="91425" tIns="91425" rIns="91425" bIns="91425" anchor="ctr" anchorCtr="0">
             <a:normAutofit/>
           </a:bodyPr>
           <a:lstStyle>
@@ -4986,7 +5026,7 @@
             </a:lvl9pPr>
           </a:lstStyle>
           <a:p>
-            <a:pPr indent="0" lvl="0" marL="0" rtl="0" algn="r">
+            <a:pPr marL="0" lvl="0" indent="0" algn="r" rtl="0">
               <a:spcBef>
                 <a:spcPts val="0"/>
               </a:spcBef>
@@ -5012,11 +5052,11 @@
 </file>
 
 <file path=ppt/slideLayouts/slideLayout8.xml><?xml version="1.0" encoding="utf-8"?>
-<p:sldLayout xmlns:a="http://schemas.openxmlformats.org/drawingml/2006/main" xmlns:r="http://schemas.openxmlformats.org/officeDocument/2006/relationships" xmlns:mc="http://schemas.openxmlformats.org/markup-compatibility/2006" xmlns:mv="urn:schemas-microsoft-com:mac:vml" xmlns:p="http://schemas.openxmlformats.org/presentationml/2006/main" xmlns:c="http://schemas.openxmlformats.org/drawingml/2006/chart" xmlns:dgm="http://schemas.openxmlformats.org/drawingml/2006/diagram" xmlns:o="urn:schemas-microsoft-com:office:office" xmlns:v="urn:schemas-microsoft-com:vml" xmlns:pvml="urn:schemas-microsoft-com:office:powerpoint" xmlns:com="http://schemas.openxmlformats.org/drawingml/2006/compatibility" xmlns:p14="http://schemas.microsoft.com/office/powerpoint/2010/main" xmlns:p15="http://schemas.microsoft.com/office/powerpoint/2012/main" xmlns:ahyp="http://schemas.microsoft.com/office/drawing/2018/hyperlinkcolor" matchingName="Section title and description">
+<p:sldLayout xmlns:a="http://schemas.openxmlformats.org/drawingml/2006/main" xmlns:r="http://schemas.openxmlformats.org/officeDocument/2006/relationships" xmlns:p="http://schemas.openxmlformats.org/presentationml/2006/main" matchingName="Section title and description">
   <p:cSld name="SECTION_TITLE_AND_DESCRIPTION">
     <p:spTree>
       <p:nvGrpSpPr>
-        <p:cNvPr id="61" name="Shape 61"/>
+        <p:cNvPr id="1" name="Shape 61"/>
         <p:cNvGrpSpPr/>
         <p:nvPr/>
       </p:nvGrpSpPr>
@@ -5050,12 +5090,12 @@
           </a:ln>
         </p:spPr>
         <p:txBody>
-          <a:bodyPr anchorCtr="0" anchor="ctr" bIns="91425" lIns="91425" spcFirstLastPara="1" rIns="91425" wrap="square" tIns="91425">
+          <a:bodyPr spcFirstLastPara="1" wrap="square" lIns="91425" tIns="91425" rIns="91425" bIns="91425" anchor="ctr" anchorCtr="0">
             <a:noAutofit/>
           </a:bodyPr>
           <a:lstStyle/>
           <a:p>
-            <a:pPr indent="0" lvl="0" marL="0" rtl="0" algn="l">
+            <a:pPr marL="0" lvl="0" indent="0" algn="l" rtl="0">
               <a:spcBef>
                 <a:spcPts val="0"/>
               </a:spcBef>
@@ -5064,9 +5104,6 @@
               </a:spcAft>
               <a:buNone/>
             </a:pPr>
-            <a:r>
-              <a:t/>
-            </a:r>
             <a:endParaRPr/>
           </a:p>
         </p:txBody>
@@ -5107,12 +5144,12 @@
             </a:ln>
           </p:spPr>
           <p:txBody>
-            <a:bodyPr anchorCtr="0" anchor="ctr" bIns="91425" lIns="91425" spcFirstLastPara="1" rIns="91425" wrap="square" tIns="91425">
+            <a:bodyPr spcFirstLastPara="1" wrap="square" lIns="91425" tIns="91425" rIns="91425" bIns="91425" anchor="ctr" anchorCtr="0">
               <a:noAutofit/>
             </a:bodyPr>
             <a:lstStyle/>
             <a:p>
-              <a:pPr indent="0" lvl="0" marL="0" rtl="0" algn="l">
+              <a:pPr marL="0" lvl="0" indent="0" algn="l" rtl="0">
                 <a:spcBef>
                   <a:spcPts val="0"/>
                 </a:spcBef>
@@ -5121,9 +5158,6 @@
                 </a:spcAft>
                 <a:buNone/>
               </a:pPr>
-              <a:r>
-                <a:t/>
-              </a:r>
               <a:endParaRPr/>
             </a:p>
           </p:txBody>
@@ -5150,12 +5184,12 @@
             </a:ln>
           </p:spPr>
           <p:txBody>
-            <a:bodyPr anchorCtr="0" anchor="ctr" bIns="91425" lIns="91425" spcFirstLastPara="1" rIns="91425" wrap="square" tIns="91425">
+            <a:bodyPr spcFirstLastPara="1" wrap="square" lIns="91425" tIns="91425" rIns="91425" bIns="91425" anchor="ctr" anchorCtr="0">
               <a:noAutofit/>
             </a:bodyPr>
             <a:lstStyle/>
             <a:p>
-              <a:pPr indent="0" lvl="0" marL="0" rtl="0" algn="l">
+              <a:pPr marL="0" lvl="0" indent="0" algn="l" rtl="0">
                 <a:spcBef>
                   <a:spcPts val="0"/>
                 </a:spcBef>
@@ -5164,9 +5198,6 @@
                 </a:spcAft>
                 <a:buNone/>
               </a:pPr>
-              <a:r>
-                <a:t/>
-              </a:r>
               <a:endParaRPr/>
             </a:p>
           </p:txBody>
@@ -5175,7 +5206,9 @@
       <p:sp>
         <p:nvSpPr>
           <p:cNvPr id="66" name="Google Shape;66;p9"/>
-          <p:cNvSpPr txBox="1"/>
+          <p:cNvSpPr txBox="1">
+            <a:spLocks noGrp="1"/>
+          </p:cNvSpPr>
           <p:nvPr>
             <p:ph type="title"/>
           </p:nvPr>
@@ -5190,7 +5223,7 @@
           </a:prstGeom>
         </p:spPr>
         <p:txBody>
-          <a:bodyPr anchorCtr="0" anchor="t" bIns="91425" lIns="91425" spcFirstLastPara="1" rIns="91425" wrap="square" tIns="91425">
+          <a:bodyPr spcFirstLastPara="1" wrap="square" lIns="91425" tIns="91425" rIns="91425" bIns="91425" anchor="t" anchorCtr="0">
             <a:normAutofit/>
           </a:bodyPr>
           <a:lstStyle>
@@ -5294,15 +5327,19 @@
               <a:defRPr sz="2600"/>
             </a:lvl9pPr>
           </a:lstStyle>
-          <a:p/>
+          <a:p>
+            <a:endParaRPr/>
+          </a:p>
         </p:txBody>
       </p:sp>
       <p:sp>
         <p:nvSpPr>
           <p:cNvPr id="67" name="Google Shape;67;p9"/>
-          <p:cNvSpPr txBox="1"/>
+          <p:cNvSpPr txBox="1">
+            <a:spLocks noGrp="1"/>
+          </p:cNvSpPr>
           <p:nvPr>
-            <p:ph idx="1" type="subTitle"/>
+            <p:ph type="subTitle" idx="1"/>
           </p:nvPr>
         </p:nvSpPr>
         <p:spPr>
@@ -5315,7 +5352,7 @@
           </a:prstGeom>
         </p:spPr>
         <p:txBody>
-          <a:bodyPr anchorCtr="0" anchor="t" bIns="91425" lIns="91425" spcFirstLastPara="1" rIns="91425" wrap="square" tIns="91425">
+          <a:bodyPr spcFirstLastPara="1" wrap="square" lIns="91425" tIns="91425" rIns="91425" bIns="91425" anchor="t" anchorCtr="0">
             <a:normAutofit/>
           </a:bodyPr>
           <a:lstStyle>
@@ -5446,15 +5483,19 @@
               <a:defRPr sz="1600"/>
             </a:lvl9pPr>
           </a:lstStyle>
-          <a:p/>
+          <a:p>
+            <a:endParaRPr/>
+          </a:p>
         </p:txBody>
       </p:sp>
       <p:sp>
         <p:nvSpPr>
           <p:cNvPr id="68" name="Google Shape;68;p9"/>
-          <p:cNvSpPr txBox="1"/>
+          <p:cNvSpPr txBox="1">
+            <a:spLocks noGrp="1"/>
+          </p:cNvSpPr>
           <p:nvPr>
-            <p:ph idx="2" type="body"/>
+            <p:ph type="body" idx="2"/>
           </p:nvPr>
         </p:nvSpPr>
         <p:spPr>
@@ -5467,11 +5508,11 @@
           </a:prstGeom>
         </p:spPr>
         <p:txBody>
-          <a:bodyPr anchorCtr="0" anchor="t" bIns="91425" lIns="91425" spcFirstLastPara="1" rIns="91425" wrap="square" tIns="91425">
+          <a:bodyPr spcFirstLastPara="1" wrap="square" lIns="91425" tIns="91425" rIns="91425" bIns="91425" anchor="t" anchorCtr="0">
             <a:normAutofit/>
           </a:bodyPr>
           <a:lstStyle>
-            <a:lvl1pPr indent="-311150" lvl="0" marL="457200">
+            <a:lvl1pPr marL="457200" lvl="0" indent="-311150">
               <a:spcBef>
                 <a:spcPts val="0"/>
               </a:spcBef>
@@ -5482,7 +5523,7 @@
               <a:buChar char="●"/>
               <a:defRPr/>
             </a:lvl1pPr>
-            <a:lvl2pPr indent="-298450" lvl="1" marL="914400">
+            <a:lvl2pPr marL="914400" lvl="1" indent="-298450">
               <a:spcBef>
                 <a:spcPts val="0"/>
               </a:spcBef>
@@ -5493,7 +5534,7 @@
               <a:buChar char="○"/>
               <a:defRPr/>
             </a:lvl2pPr>
-            <a:lvl3pPr indent="-298450" lvl="2" marL="1371600">
+            <a:lvl3pPr marL="1371600" lvl="2" indent="-298450">
               <a:spcBef>
                 <a:spcPts val="0"/>
               </a:spcBef>
@@ -5504,7 +5545,7 @@
               <a:buChar char="■"/>
               <a:defRPr/>
             </a:lvl3pPr>
-            <a:lvl4pPr indent="-298450" lvl="3" marL="1828800">
+            <a:lvl4pPr marL="1828800" lvl="3" indent="-298450">
               <a:spcBef>
                 <a:spcPts val="0"/>
               </a:spcBef>
@@ -5515,7 +5556,7 @@
               <a:buChar char="●"/>
               <a:defRPr/>
             </a:lvl4pPr>
-            <a:lvl5pPr indent="-298450" lvl="4" marL="2286000">
+            <a:lvl5pPr marL="2286000" lvl="4" indent="-298450">
               <a:spcBef>
                 <a:spcPts val="0"/>
               </a:spcBef>
@@ -5526,7 +5567,7 @@
               <a:buChar char="○"/>
               <a:defRPr/>
             </a:lvl5pPr>
-            <a:lvl6pPr indent="-298450" lvl="5" marL="2743200">
+            <a:lvl6pPr marL="2743200" lvl="5" indent="-298450">
               <a:spcBef>
                 <a:spcPts val="0"/>
               </a:spcBef>
@@ -5537,7 +5578,7 @@
               <a:buChar char="■"/>
               <a:defRPr/>
             </a:lvl6pPr>
-            <a:lvl7pPr indent="-298450" lvl="6" marL="3200400">
+            <a:lvl7pPr marL="3200400" lvl="6" indent="-298450">
               <a:spcBef>
                 <a:spcPts val="0"/>
               </a:spcBef>
@@ -5548,7 +5589,7 @@
               <a:buChar char="●"/>
               <a:defRPr/>
             </a:lvl7pPr>
-            <a:lvl8pPr indent="-298450" lvl="7" marL="3657600">
+            <a:lvl8pPr marL="3657600" lvl="7" indent="-298450">
               <a:spcBef>
                 <a:spcPts val="0"/>
               </a:spcBef>
@@ -5559,7 +5600,7 @@
               <a:buChar char="○"/>
               <a:defRPr/>
             </a:lvl8pPr>
-            <a:lvl9pPr indent="-298450" lvl="8" marL="4114800">
+            <a:lvl9pPr marL="4114800" lvl="8" indent="-298450">
               <a:spcBef>
                 <a:spcPts val="0"/>
               </a:spcBef>
@@ -5571,15 +5612,19 @@
               <a:defRPr/>
             </a:lvl9pPr>
           </a:lstStyle>
-          <a:p/>
+          <a:p>
+            <a:endParaRPr/>
+          </a:p>
         </p:txBody>
       </p:sp>
       <p:sp>
         <p:nvSpPr>
           <p:cNvPr id="69" name="Google Shape;69;p9"/>
-          <p:cNvSpPr txBox="1"/>
+          <p:cNvSpPr txBox="1">
+            <a:spLocks noGrp="1"/>
+          </p:cNvSpPr>
           <p:nvPr>
-            <p:ph idx="12" type="sldNum"/>
+            <p:ph type="sldNum" idx="12"/>
           </p:nvPr>
         </p:nvSpPr>
         <p:spPr>
@@ -5592,7 +5637,7 @@
           </a:prstGeom>
         </p:spPr>
         <p:txBody>
-          <a:bodyPr anchorCtr="0" anchor="ctr" bIns="91425" lIns="91425" spcFirstLastPara="1" rIns="91425" wrap="square" tIns="91425">
+          <a:bodyPr spcFirstLastPara="1" wrap="square" lIns="91425" tIns="91425" rIns="91425" bIns="91425" anchor="ctr" anchorCtr="0">
             <a:normAutofit/>
           </a:bodyPr>
           <a:lstStyle>
@@ -5634,7 +5679,7 @@
             </a:lvl9pPr>
           </a:lstStyle>
           <a:p>
-            <a:pPr indent="0" lvl="0" marL="0" rtl="0" algn="r">
+            <a:pPr marL="0" lvl="0" indent="0" algn="r" rtl="0">
               <a:spcBef>
                 <a:spcPts val="0"/>
               </a:spcBef>
@@ -5660,11 +5705,11 @@
 </file>
 
 <file path=ppt/slideLayouts/slideLayout9.xml><?xml version="1.0" encoding="utf-8"?>
-<p:sldLayout xmlns:a="http://schemas.openxmlformats.org/drawingml/2006/main" xmlns:r="http://schemas.openxmlformats.org/officeDocument/2006/relationships" xmlns:mc="http://schemas.openxmlformats.org/markup-compatibility/2006" xmlns:mv="urn:schemas-microsoft-com:mac:vml" xmlns:p="http://schemas.openxmlformats.org/presentationml/2006/main" xmlns:c="http://schemas.openxmlformats.org/drawingml/2006/chart" xmlns:dgm="http://schemas.openxmlformats.org/drawingml/2006/diagram" xmlns:o="urn:schemas-microsoft-com:office:office" xmlns:v="urn:schemas-microsoft-com:vml" xmlns:pvml="urn:schemas-microsoft-com:office:powerpoint" xmlns:com="http://schemas.openxmlformats.org/drawingml/2006/compatibility" xmlns:p14="http://schemas.microsoft.com/office/powerpoint/2010/main" xmlns:p15="http://schemas.microsoft.com/office/powerpoint/2012/main" xmlns:ahyp="http://schemas.microsoft.com/office/drawing/2018/hyperlinkcolor" matchingName="Caption">
+<p:sldLayout xmlns:a="http://schemas.openxmlformats.org/drawingml/2006/main" xmlns:r="http://schemas.openxmlformats.org/officeDocument/2006/relationships" xmlns:p="http://schemas.openxmlformats.org/presentationml/2006/main" matchingName="Caption">
   <p:cSld name="CAPTION_ONLY">
     <p:spTree>
       <p:nvGrpSpPr>
-        <p:cNvPr id="70" name="Shape 70"/>
+        <p:cNvPr id="1" name="Shape 70"/>
         <p:cNvGrpSpPr/>
         <p:nvPr/>
       </p:nvGrpSpPr>
@@ -5679,9 +5724,11 @@
       <p:sp>
         <p:nvSpPr>
           <p:cNvPr id="71" name="Google Shape;71;p10"/>
-          <p:cNvSpPr txBox="1"/>
+          <p:cNvSpPr txBox="1">
+            <a:spLocks noGrp="1"/>
+          </p:cNvSpPr>
           <p:nvPr>
-            <p:ph idx="1" type="body"/>
+            <p:ph type="body" idx="1"/>
           </p:nvPr>
         </p:nvSpPr>
         <p:spPr>
@@ -5694,11 +5741,11 @@
           </a:prstGeom>
         </p:spPr>
         <p:txBody>
-          <a:bodyPr anchorCtr="0" anchor="ctr" bIns="91425" lIns="91425" spcFirstLastPara="1" rIns="91425" wrap="square" tIns="91425">
+          <a:bodyPr spcFirstLastPara="1" wrap="square" lIns="91425" tIns="91425" rIns="91425" bIns="91425" anchor="ctr" anchorCtr="0">
             <a:normAutofit/>
           </a:bodyPr>
           <a:lstStyle>
-            <a:lvl1pPr indent="-228600" lvl="0" marL="457200">
+            <a:lvl1pPr marL="457200" lvl="0" indent="-228600">
               <a:lnSpc>
                 <a:spcPct val="100000"/>
               </a:lnSpc>
@@ -5713,15 +5760,19 @@
               <a:defRPr/>
             </a:lvl1pPr>
           </a:lstStyle>
-          <a:p/>
+          <a:p>
+            <a:endParaRPr/>
+          </a:p>
         </p:txBody>
       </p:sp>
       <p:sp>
         <p:nvSpPr>
           <p:cNvPr id="72" name="Google Shape;72;p10"/>
-          <p:cNvSpPr txBox="1"/>
+          <p:cNvSpPr txBox="1">
+            <a:spLocks noGrp="1"/>
+          </p:cNvSpPr>
           <p:nvPr>
-            <p:ph idx="12" type="sldNum"/>
+            <p:ph type="sldNum" idx="12"/>
           </p:nvPr>
         </p:nvSpPr>
         <p:spPr>
@@ -5734,7 +5785,7 @@
           </a:prstGeom>
         </p:spPr>
         <p:txBody>
-          <a:bodyPr anchorCtr="0" anchor="ctr" bIns="91425" lIns="91425" spcFirstLastPara="1" rIns="91425" wrap="square" tIns="91425">
+          <a:bodyPr spcFirstLastPara="1" wrap="square" lIns="91425" tIns="91425" rIns="91425" bIns="91425" anchor="ctr" anchorCtr="0">
             <a:normAutofit/>
           </a:bodyPr>
           <a:lstStyle>
@@ -5776,7 +5827,7 @@
             </a:lvl9pPr>
           </a:lstStyle>
           <a:p>
-            <a:pPr indent="0" lvl="0" marL="0" rtl="0" algn="r">
+            <a:pPr marL="0" lvl="0" indent="0" algn="r" rtl="0">
               <a:spcBef>
                 <a:spcPts val="0"/>
               </a:spcBef>
@@ -5802,18 +5853,19 @@
 </file>
 
 <file path=ppt/slideMasters/slideMaster1.xml><?xml version="1.0" encoding="utf-8"?>
-<p:sldMaster xmlns:a="http://schemas.openxmlformats.org/drawingml/2006/main" xmlns:r="http://schemas.openxmlformats.org/officeDocument/2006/relationships" xmlns:mc="http://schemas.openxmlformats.org/markup-compatibility/2006" xmlns:mv="urn:schemas-microsoft-com:mac:vml" xmlns:p="http://schemas.openxmlformats.org/presentationml/2006/main" xmlns:c="http://schemas.openxmlformats.org/drawingml/2006/chart" xmlns:dgm="http://schemas.openxmlformats.org/drawingml/2006/diagram" xmlns:o="urn:schemas-microsoft-com:office:office" xmlns:v="urn:schemas-microsoft-com:vml" xmlns:pvml="urn:schemas-microsoft-com:office:powerpoint" xmlns:com="http://schemas.openxmlformats.org/drawingml/2006/compatibility" xmlns:p14="http://schemas.microsoft.com/office/powerpoint/2010/main" xmlns:p15="http://schemas.microsoft.com/office/powerpoint/2012/main" xmlns:ahyp="http://schemas.microsoft.com/office/drawing/2018/hyperlinkcolor">
+<p:sldMaster xmlns:a="http://schemas.openxmlformats.org/drawingml/2006/main" xmlns:r="http://schemas.openxmlformats.org/officeDocument/2006/relationships" xmlns:p="http://schemas.openxmlformats.org/presentationml/2006/main">
   <p:cSld name="streamline">
     <p:bg>
       <p:bgPr>
         <a:solidFill>
           <a:schemeClr val="lt1"/>
         </a:solidFill>
+        <a:effectLst/>
       </p:bgPr>
     </p:bg>
     <p:spTree>
       <p:nvGrpSpPr>
-        <p:cNvPr id="5" name="Shape 5"/>
+        <p:cNvPr id="1" name="Shape 5"/>
         <p:cNvGrpSpPr/>
         <p:nvPr/>
       </p:nvGrpSpPr>
@@ -5828,7 +5880,9 @@
       <p:sp>
         <p:nvSpPr>
           <p:cNvPr id="6" name="Google Shape;6;p1"/>
-          <p:cNvSpPr txBox="1"/>
+          <p:cNvSpPr txBox="1">
+            <a:spLocks noGrp="1"/>
+          </p:cNvSpPr>
           <p:nvPr>
             <p:ph type="title"/>
           </p:nvPr>
@@ -5847,7 +5901,7 @@
           </a:ln>
         </p:spPr>
         <p:txBody>
-          <a:bodyPr anchorCtr="0" anchor="t" bIns="91425" lIns="91425" spcFirstLastPara="1" rIns="91425" wrap="square" tIns="91425">
+          <a:bodyPr spcFirstLastPara="1" wrap="square" lIns="91425" tIns="91425" rIns="91425" bIns="91425" anchor="t" anchorCtr="0">
             <a:normAutofit/>
           </a:bodyPr>
           <a:lstStyle>
@@ -5864,7 +5918,7 @@
               <a:buSzPts val="2800"/>
               <a:buFont typeface="Raleway"/>
               <a:buNone/>
-              <a:defRPr b="1" sz="2800">
+              <a:defRPr sz="2800" b="1">
                 <a:solidFill>
                   <a:schemeClr val="dk2"/>
                 </a:solidFill>
@@ -5887,7 +5941,7 @@
               <a:buSzPts val="2800"/>
               <a:buFont typeface="Raleway"/>
               <a:buNone/>
-              <a:defRPr b="1" sz="2800">
+              <a:defRPr sz="2800" b="1">
                 <a:solidFill>
                   <a:schemeClr val="dk2"/>
                 </a:solidFill>
@@ -5910,7 +5964,7 @@
               <a:buSzPts val="2800"/>
               <a:buFont typeface="Raleway"/>
               <a:buNone/>
-              <a:defRPr b="1" sz="2800">
+              <a:defRPr sz="2800" b="1">
                 <a:solidFill>
                   <a:schemeClr val="dk2"/>
                 </a:solidFill>
@@ -5933,7 +5987,7 @@
               <a:buSzPts val="2800"/>
               <a:buFont typeface="Raleway"/>
               <a:buNone/>
-              <a:defRPr b="1" sz="2800">
+              <a:defRPr sz="2800" b="1">
                 <a:solidFill>
                   <a:schemeClr val="dk2"/>
                 </a:solidFill>
@@ -5956,7 +6010,7 @@
               <a:buSzPts val="2800"/>
               <a:buFont typeface="Raleway"/>
               <a:buNone/>
-              <a:defRPr b="1" sz="2800">
+              <a:defRPr sz="2800" b="1">
                 <a:solidFill>
                   <a:schemeClr val="dk2"/>
                 </a:solidFill>
@@ -5979,7 +6033,7 @@
               <a:buSzPts val="2800"/>
               <a:buFont typeface="Raleway"/>
               <a:buNone/>
-              <a:defRPr b="1" sz="2800">
+              <a:defRPr sz="2800" b="1">
                 <a:solidFill>
                   <a:schemeClr val="dk2"/>
                 </a:solidFill>
@@ -6002,7 +6056,7 @@
               <a:buSzPts val="2800"/>
               <a:buFont typeface="Raleway"/>
               <a:buNone/>
-              <a:defRPr b="1" sz="2800">
+              <a:defRPr sz="2800" b="1">
                 <a:solidFill>
                   <a:schemeClr val="dk2"/>
                 </a:solidFill>
@@ -6025,7 +6079,7 @@
               <a:buSzPts val="2800"/>
               <a:buFont typeface="Raleway"/>
               <a:buNone/>
-              <a:defRPr b="1" sz="2800">
+              <a:defRPr sz="2800" b="1">
                 <a:solidFill>
                   <a:schemeClr val="dk2"/>
                 </a:solidFill>
@@ -6048,7 +6102,7 @@
               <a:buSzPts val="2800"/>
               <a:buFont typeface="Raleway"/>
               <a:buNone/>
-              <a:defRPr b="1" sz="2800">
+              <a:defRPr sz="2800" b="1">
                 <a:solidFill>
                   <a:schemeClr val="dk2"/>
                 </a:solidFill>
@@ -6059,15 +6113,19 @@
               </a:defRPr>
             </a:lvl9pPr>
           </a:lstStyle>
-          <a:p/>
+          <a:p>
+            <a:endParaRPr/>
+          </a:p>
         </p:txBody>
       </p:sp>
       <p:sp>
         <p:nvSpPr>
           <p:cNvPr id="7" name="Google Shape;7;p1"/>
-          <p:cNvSpPr txBox="1"/>
+          <p:cNvSpPr txBox="1">
+            <a:spLocks noGrp="1"/>
+          </p:cNvSpPr>
           <p:nvPr>
-            <p:ph idx="1" type="body"/>
+            <p:ph type="body" idx="1"/>
           </p:nvPr>
         </p:nvSpPr>
         <p:spPr>
@@ -6084,11 +6142,11 @@
           </a:ln>
         </p:spPr>
         <p:txBody>
-          <a:bodyPr anchorCtr="0" anchor="t" bIns="91425" lIns="91425" spcFirstLastPara="1" rIns="91425" wrap="square" tIns="91425">
+          <a:bodyPr spcFirstLastPara="1" wrap="square" lIns="91425" tIns="91425" rIns="91425" bIns="91425" anchor="t" anchorCtr="0">
             <a:normAutofit/>
           </a:bodyPr>
           <a:lstStyle>
-            <a:lvl1pPr indent="-311150" lvl="0" marL="457200">
+            <a:lvl1pPr marL="457200" lvl="0" indent="-311150">
               <a:lnSpc>
                 <a:spcPct val="115000"/>
               </a:lnSpc>
@@ -6114,7 +6172,7 @@
                 <a:sym typeface="Lato"/>
               </a:defRPr>
             </a:lvl1pPr>
-            <a:lvl2pPr indent="-298450" lvl="1" marL="914400">
+            <a:lvl2pPr marL="914400" lvl="1" indent="-298450">
               <a:lnSpc>
                 <a:spcPct val="115000"/>
               </a:lnSpc>
@@ -6140,7 +6198,7 @@
                 <a:sym typeface="Lato"/>
               </a:defRPr>
             </a:lvl2pPr>
-            <a:lvl3pPr indent="-298450" lvl="2" marL="1371600">
+            <a:lvl3pPr marL="1371600" lvl="2" indent="-298450">
               <a:lnSpc>
                 <a:spcPct val="115000"/>
               </a:lnSpc>
@@ -6166,7 +6224,7 @@
                 <a:sym typeface="Lato"/>
               </a:defRPr>
             </a:lvl3pPr>
-            <a:lvl4pPr indent="-298450" lvl="3" marL="1828800">
+            <a:lvl4pPr marL="1828800" lvl="3" indent="-298450">
               <a:lnSpc>
                 <a:spcPct val="115000"/>
               </a:lnSpc>
@@ -6192,7 +6250,7 @@
                 <a:sym typeface="Lato"/>
               </a:defRPr>
             </a:lvl4pPr>
-            <a:lvl5pPr indent="-298450" lvl="4" marL="2286000">
+            <a:lvl5pPr marL="2286000" lvl="4" indent="-298450">
               <a:lnSpc>
                 <a:spcPct val="115000"/>
               </a:lnSpc>
@@ -6218,7 +6276,7 @@
                 <a:sym typeface="Lato"/>
               </a:defRPr>
             </a:lvl5pPr>
-            <a:lvl6pPr indent="-298450" lvl="5" marL="2743200">
+            <a:lvl6pPr marL="2743200" lvl="5" indent="-298450">
               <a:lnSpc>
                 <a:spcPct val="115000"/>
               </a:lnSpc>
@@ -6244,7 +6302,7 @@
                 <a:sym typeface="Lato"/>
               </a:defRPr>
             </a:lvl6pPr>
-            <a:lvl7pPr indent="-298450" lvl="6" marL="3200400">
+            <a:lvl7pPr marL="3200400" lvl="6" indent="-298450">
               <a:lnSpc>
                 <a:spcPct val="115000"/>
               </a:lnSpc>
@@ -6270,7 +6328,7 @@
                 <a:sym typeface="Lato"/>
               </a:defRPr>
             </a:lvl7pPr>
-            <a:lvl8pPr indent="-298450" lvl="7" marL="3657600">
+            <a:lvl8pPr marL="3657600" lvl="7" indent="-298450">
               <a:lnSpc>
                 <a:spcPct val="115000"/>
               </a:lnSpc>
@@ -6296,7 +6354,7 @@
                 <a:sym typeface="Lato"/>
               </a:defRPr>
             </a:lvl8pPr>
-            <a:lvl9pPr indent="-298450" lvl="8" marL="4114800">
+            <a:lvl9pPr marL="4114800" lvl="8" indent="-298450">
               <a:lnSpc>
                 <a:spcPct val="115000"/>
               </a:lnSpc>
@@ -6323,15 +6381,19 @@
               </a:defRPr>
             </a:lvl9pPr>
           </a:lstStyle>
-          <a:p/>
+          <a:p>
+            <a:endParaRPr/>
+          </a:p>
         </p:txBody>
       </p:sp>
       <p:sp>
         <p:nvSpPr>
           <p:cNvPr id="8" name="Google Shape;8;p1"/>
-          <p:cNvSpPr txBox="1"/>
+          <p:cNvSpPr txBox="1">
+            <a:spLocks noGrp="1"/>
+          </p:cNvSpPr>
           <p:nvPr>
-            <p:ph idx="12" type="sldNum"/>
+            <p:ph type="sldNum" idx="12"/>
           </p:nvPr>
         </p:nvSpPr>
         <p:spPr>
@@ -6348,7 +6410,7 @@
           </a:ln>
         </p:spPr>
         <p:txBody>
-          <a:bodyPr anchorCtr="0" anchor="ctr" bIns="91425" lIns="91425" spcFirstLastPara="1" rIns="91425" wrap="square" tIns="91425">
+          <a:bodyPr spcFirstLastPara="1" wrap="square" lIns="91425" tIns="91425" rIns="91425" bIns="91425" anchor="ctr" anchorCtr="0">
             <a:normAutofit/>
           </a:bodyPr>
           <a:lstStyle>
@@ -6462,7 +6524,7 @@
             </a:lvl9pPr>
           </a:lstStyle>
           <a:p>
-            <a:pPr indent="0" lvl="0" marL="0" rtl="0" algn="r">
+            <a:pPr marL="0" lvl="0" indent="0" algn="r" rtl="0">
               <a:spcBef>
                 <a:spcPts val="0"/>
               </a:spcBef>
@@ -6481,7 +6543,7 @@
       </p:sp>
     </p:spTree>
   </p:cSld>
-  <p:clrMap accent1="accent1" accent2="accent2" accent3="accent3" accent4="accent4" accent5="accent5" accent6="accent6" bg1="lt1" bg2="dk2" tx1="dk1" tx2="lt2" folHlink="folHlink" hlink="hlink"/>
+  <p:clrMap bg1="lt1" tx1="dk1" bg2="dk2" tx2="lt2" accent1="accent1" accent2="accent2" accent3="accent3" accent4="accent4" accent5="accent5" accent6="accent6" hlink="hlink" folHlink="folHlink"/>
   <p:sldLayoutIdLst>
     <p:sldLayoutId id="2147483648" r:id="rId1"/>
     <p:sldLayoutId id="2147483649" r:id="rId2"/>
@@ -6495,10 +6557,10 @@
     <p:sldLayoutId id="2147483657" r:id="rId10"/>
     <p:sldLayoutId id="2147483658" r:id="rId11"/>
   </p:sldLayoutIdLst>
-  <p:hf dt="0" ftr="0" hdr="0" sldNum="0"/>
+  <p:hf sldNum="0" hdr="0" ftr="0" dt="0"/>
   <p:txStyles>
     <p:titleStyle>
-      <a:defPPr lvl="0" marR="0" rtl="0" algn="l">
+      <a:defPPr marR="0" lvl="0" algn="l" rtl="0">
         <a:lnSpc>
           <a:spcPct val="100000"/>
         </a:lnSpc>
@@ -6509,7 +6571,7 @@
           <a:spcPts val="0"/>
         </a:spcAft>
       </a:defPPr>
-      <a:lvl1pPr lvl="0" marR="0" rtl="0" algn="l">
+      <a:lvl1pPr marR="0" lvl="0" algn="l" rtl="0">
         <a:lnSpc>
           <a:spcPct val="100000"/>
         </a:lnSpc>
@@ -6523,7 +6585,7 @@
           <a:srgbClr val="000000"/>
         </a:buClr>
         <a:buFont typeface="Arial"/>
-        <a:defRPr b="0" i="0" sz="1400" u="none" cap="none" strike="noStrike">
+        <a:defRPr sz="1400" b="0" i="0" u="none" strike="noStrike" cap="none">
           <a:solidFill>
             <a:srgbClr val="000000"/>
           </a:solidFill>
@@ -6533,7 +6595,7 @@
           <a:sym typeface="Arial"/>
         </a:defRPr>
       </a:lvl1pPr>
-      <a:lvl2pPr lvl="1" marR="0" rtl="0" algn="l">
+      <a:lvl2pPr marR="0" lvl="1" algn="l" rtl="0">
         <a:lnSpc>
           <a:spcPct val="100000"/>
         </a:lnSpc>
@@ -6547,7 +6609,7 @@
           <a:srgbClr val="000000"/>
         </a:buClr>
         <a:buFont typeface="Arial"/>
-        <a:defRPr b="0" i="0" sz="1400" u="none" cap="none" strike="noStrike">
+        <a:defRPr sz="1400" b="0" i="0" u="none" strike="noStrike" cap="none">
           <a:solidFill>
             <a:srgbClr val="000000"/>
           </a:solidFill>
@@ -6557,7 +6619,7 @@
           <a:sym typeface="Arial"/>
         </a:defRPr>
       </a:lvl2pPr>
-      <a:lvl3pPr lvl="2" marR="0" rtl="0" algn="l">
+      <a:lvl3pPr marR="0" lvl="2" algn="l" rtl="0">
         <a:lnSpc>
           <a:spcPct val="100000"/>
         </a:lnSpc>
@@ -6571,7 +6633,7 @@
           <a:srgbClr val="000000"/>
         </a:buClr>
         <a:buFont typeface="Arial"/>
-        <a:defRPr b="0" i="0" sz="1400" u="none" cap="none" strike="noStrike">
+        <a:defRPr sz="1400" b="0" i="0" u="none" strike="noStrike" cap="none">
           <a:solidFill>
             <a:srgbClr val="000000"/>
           </a:solidFill>
@@ -6581,7 +6643,7 @@
           <a:sym typeface="Arial"/>
         </a:defRPr>
       </a:lvl3pPr>
-      <a:lvl4pPr lvl="3" marR="0" rtl="0" algn="l">
+      <a:lvl4pPr marR="0" lvl="3" algn="l" rtl="0">
         <a:lnSpc>
           <a:spcPct val="100000"/>
         </a:lnSpc>
@@ -6595,7 +6657,7 @@
           <a:srgbClr val="000000"/>
         </a:buClr>
         <a:buFont typeface="Arial"/>
-        <a:defRPr b="0" i="0" sz="1400" u="none" cap="none" strike="noStrike">
+        <a:defRPr sz="1400" b="0" i="0" u="none" strike="noStrike" cap="none">
           <a:solidFill>
             <a:srgbClr val="000000"/>
           </a:solidFill>
@@ -6605,7 +6667,7 @@
           <a:sym typeface="Arial"/>
         </a:defRPr>
       </a:lvl4pPr>
-      <a:lvl5pPr lvl="4" marR="0" rtl="0" algn="l">
+      <a:lvl5pPr marR="0" lvl="4" algn="l" rtl="0">
         <a:lnSpc>
           <a:spcPct val="100000"/>
         </a:lnSpc>
@@ -6619,7 +6681,7 @@
           <a:srgbClr val="000000"/>
         </a:buClr>
         <a:buFont typeface="Arial"/>
-        <a:defRPr b="0" i="0" sz="1400" u="none" cap="none" strike="noStrike">
+        <a:defRPr sz="1400" b="0" i="0" u="none" strike="noStrike" cap="none">
           <a:solidFill>
             <a:srgbClr val="000000"/>
           </a:solidFill>
@@ -6629,7 +6691,7 @@
           <a:sym typeface="Arial"/>
         </a:defRPr>
       </a:lvl5pPr>
-      <a:lvl6pPr lvl="5" marR="0" rtl="0" algn="l">
+      <a:lvl6pPr marR="0" lvl="5" algn="l" rtl="0">
         <a:lnSpc>
           <a:spcPct val="100000"/>
         </a:lnSpc>
@@ -6643,7 +6705,7 @@
           <a:srgbClr val="000000"/>
         </a:buClr>
         <a:buFont typeface="Arial"/>
-        <a:defRPr b="0" i="0" sz="1400" u="none" cap="none" strike="noStrike">
+        <a:defRPr sz="1400" b="0" i="0" u="none" strike="noStrike" cap="none">
           <a:solidFill>
             <a:srgbClr val="000000"/>
           </a:solidFill>
@@ -6653,7 +6715,7 @@
           <a:sym typeface="Arial"/>
         </a:defRPr>
       </a:lvl6pPr>
-      <a:lvl7pPr lvl="6" marR="0" rtl="0" algn="l">
+      <a:lvl7pPr marR="0" lvl="6" algn="l" rtl="0">
         <a:lnSpc>
           <a:spcPct val="100000"/>
         </a:lnSpc>
@@ -6667,7 +6729,7 @@
           <a:srgbClr val="000000"/>
         </a:buClr>
         <a:buFont typeface="Arial"/>
-        <a:defRPr b="0" i="0" sz="1400" u="none" cap="none" strike="noStrike">
+        <a:defRPr sz="1400" b="0" i="0" u="none" strike="noStrike" cap="none">
           <a:solidFill>
             <a:srgbClr val="000000"/>
           </a:solidFill>
@@ -6677,7 +6739,7 @@
           <a:sym typeface="Arial"/>
         </a:defRPr>
       </a:lvl7pPr>
-      <a:lvl8pPr lvl="7" marR="0" rtl="0" algn="l">
+      <a:lvl8pPr marR="0" lvl="7" algn="l" rtl="0">
         <a:lnSpc>
           <a:spcPct val="100000"/>
         </a:lnSpc>
@@ -6691,7 +6753,7 @@
           <a:srgbClr val="000000"/>
         </a:buClr>
         <a:buFont typeface="Arial"/>
-        <a:defRPr b="0" i="0" sz="1400" u="none" cap="none" strike="noStrike">
+        <a:defRPr sz="1400" b="0" i="0" u="none" strike="noStrike" cap="none">
           <a:solidFill>
             <a:srgbClr val="000000"/>
           </a:solidFill>
@@ -6701,7 +6763,7 @@
           <a:sym typeface="Arial"/>
         </a:defRPr>
       </a:lvl8pPr>
-      <a:lvl9pPr lvl="8" marR="0" rtl="0" algn="l">
+      <a:lvl9pPr marR="0" lvl="8" algn="l" rtl="0">
         <a:lnSpc>
           <a:spcPct val="100000"/>
         </a:lnSpc>
@@ -6715,7 +6777,7 @@
           <a:srgbClr val="000000"/>
         </a:buClr>
         <a:buFont typeface="Arial"/>
-        <a:defRPr b="0" i="0" sz="1400" u="none" cap="none" strike="noStrike">
+        <a:defRPr sz="1400" b="0" i="0" u="none" strike="noStrike" cap="none">
           <a:solidFill>
             <a:srgbClr val="000000"/>
           </a:solidFill>
@@ -6727,7 +6789,7 @@
       </a:lvl9pPr>
     </p:titleStyle>
     <p:bodyStyle>
-      <a:defPPr lvl="0" marR="0" rtl="0" algn="l">
+      <a:defPPr marR="0" lvl="0" algn="l" rtl="0">
         <a:lnSpc>
           <a:spcPct val="100000"/>
         </a:lnSpc>
@@ -6738,7 +6800,7 @@
           <a:spcPts val="0"/>
         </a:spcAft>
       </a:defPPr>
-      <a:lvl1pPr lvl="0" marR="0" rtl="0" algn="l">
+      <a:lvl1pPr marR="0" lvl="0" algn="l" rtl="0">
         <a:lnSpc>
           <a:spcPct val="100000"/>
         </a:lnSpc>
@@ -6752,7 +6814,7 @@
           <a:srgbClr val="000000"/>
         </a:buClr>
         <a:buFont typeface="Arial"/>
-        <a:defRPr b="0" i="0" sz="1400" u="none" cap="none" strike="noStrike">
+        <a:defRPr sz="1400" b="0" i="0" u="none" strike="noStrike" cap="none">
           <a:solidFill>
             <a:srgbClr val="000000"/>
           </a:solidFill>
@@ -6762,7 +6824,7 @@
           <a:sym typeface="Arial"/>
         </a:defRPr>
       </a:lvl1pPr>
-      <a:lvl2pPr lvl="1" marR="0" rtl="0" algn="l">
+      <a:lvl2pPr marR="0" lvl="1" algn="l" rtl="0">
         <a:lnSpc>
           <a:spcPct val="100000"/>
         </a:lnSpc>
@@ -6776,7 +6838,7 @@
           <a:srgbClr val="000000"/>
         </a:buClr>
         <a:buFont typeface="Arial"/>
-        <a:defRPr b="0" i="0" sz="1400" u="none" cap="none" strike="noStrike">
+        <a:defRPr sz="1400" b="0" i="0" u="none" strike="noStrike" cap="none">
           <a:solidFill>
             <a:srgbClr val="000000"/>
           </a:solidFill>
@@ -6786,7 +6848,7 @@
           <a:sym typeface="Arial"/>
         </a:defRPr>
       </a:lvl2pPr>
-      <a:lvl3pPr lvl="2" marR="0" rtl="0" algn="l">
+      <a:lvl3pPr marR="0" lvl="2" algn="l" rtl="0">
         <a:lnSpc>
           <a:spcPct val="100000"/>
         </a:lnSpc>
@@ -6800,7 +6862,7 @@
           <a:srgbClr val="000000"/>
         </a:buClr>
         <a:buFont typeface="Arial"/>
-        <a:defRPr b="0" i="0" sz="1400" u="none" cap="none" strike="noStrike">
+        <a:defRPr sz="1400" b="0" i="0" u="none" strike="noStrike" cap="none">
           <a:solidFill>
             <a:srgbClr val="000000"/>
           </a:solidFill>
@@ -6810,7 +6872,7 @@
           <a:sym typeface="Arial"/>
         </a:defRPr>
       </a:lvl3pPr>
-      <a:lvl4pPr lvl="3" marR="0" rtl="0" algn="l">
+      <a:lvl4pPr marR="0" lvl="3" algn="l" rtl="0">
         <a:lnSpc>
           <a:spcPct val="100000"/>
         </a:lnSpc>
@@ -6824,7 +6886,7 @@
           <a:srgbClr val="000000"/>
         </a:buClr>
         <a:buFont typeface="Arial"/>
-        <a:defRPr b="0" i="0" sz="1400" u="none" cap="none" strike="noStrike">
+        <a:defRPr sz="1400" b="0" i="0" u="none" strike="noStrike" cap="none">
           <a:solidFill>
             <a:srgbClr val="000000"/>
           </a:solidFill>
@@ -6834,7 +6896,7 @@
           <a:sym typeface="Arial"/>
         </a:defRPr>
       </a:lvl4pPr>
-      <a:lvl5pPr lvl="4" marR="0" rtl="0" algn="l">
+      <a:lvl5pPr marR="0" lvl="4" algn="l" rtl="0">
         <a:lnSpc>
           <a:spcPct val="100000"/>
         </a:lnSpc>
@@ -6848,7 +6910,7 @@
           <a:srgbClr val="000000"/>
         </a:buClr>
         <a:buFont typeface="Arial"/>
-        <a:defRPr b="0" i="0" sz="1400" u="none" cap="none" strike="noStrike">
+        <a:defRPr sz="1400" b="0" i="0" u="none" strike="noStrike" cap="none">
           <a:solidFill>
             <a:srgbClr val="000000"/>
           </a:solidFill>
@@ -6858,7 +6920,7 @@
           <a:sym typeface="Arial"/>
         </a:defRPr>
       </a:lvl5pPr>
-      <a:lvl6pPr lvl="5" marR="0" rtl="0" algn="l">
+      <a:lvl6pPr marR="0" lvl="5" algn="l" rtl="0">
         <a:lnSpc>
           <a:spcPct val="100000"/>
         </a:lnSpc>
@@ -6872,7 +6934,7 @@
           <a:srgbClr val="000000"/>
         </a:buClr>
         <a:buFont typeface="Arial"/>
-        <a:defRPr b="0" i="0" sz="1400" u="none" cap="none" strike="noStrike">
+        <a:defRPr sz="1400" b="0" i="0" u="none" strike="noStrike" cap="none">
           <a:solidFill>
             <a:srgbClr val="000000"/>
           </a:solidFill>
@@ -6882,7 +6944,7 @@
           <a:sym typeface="Arial"/>
         </a:defRPr>
       </a:lvl6pPr>
-      <a:lvl7pPr lvl="6" marR="0" rtl="0" algn="l">
+      <a:lvl7pPr marR="0" lvl="6" algn="l" rtl="0">
         <a:lnSpc>
           <a:spcPct val="100000"/>
         </a:lnSpc>
@@ -6896,7 +6958,7 @@
           <a:srgbClr val="000000"/>
         </a:buClr>
         <a:buFont typeface="Arial"/>
-        <a:defRPr b="0" i="0" sz="1400" u="none" cap="none" strike="noStrike">
+        <a:defRPr sz="1400" b="0" i="0" u="none" strike="noStrike" cap="none">
           <a:solidFill>
             <a:srgbClr val="000000"/>
           </a:solidFill>
@@ -6906,7 +6968,7 @@
           <a:sym typeface="Arial"/>
         </a:defRPr>
       </a:lvl7pPr>
-      <a:lvl8pPr lvl="7" marR="0" rtl="0" algn="l">
+      <a:lvl8pPr marR="0" lvl="7" algn="l" rtl="0">
         <a:lnSpc>
           <a:spcPct val="100000"/>
         </a:lnSpc>
@@ -6920,7 +6982,7 @@
           <a:srgbClr val="000000"/>
         </a:buClr>
         <a:buFont typeface="Arial"/>
-        <a:defRPr b="0" i="0" sz="1400" u="none" cap="none" strike="noStrike">
+        <a:defRPr sz="1400" b="0" i="0" u="none" strike="noStrike" cap="none">
           <a:solidFill>
             <a:srgbClr val="000000"/>
           </a:solidFill>
@@ -6930,7 +6992,7 @@
           <a:sym typeface="Arial"/>
         </a:defRPr>
       </a:lvl8pPr>
-      <a:lvl9pPr lvl="8" marR="0" rtl="0" algn="l">
+      <a:lvl9pPr marR="0" lvl="8" algn="l" rtl="0">
         <a:lnSpc>
           <a:spcPct val="100000"/>
         </a:lnSpc>
@@ -6944,7 +7006,7 @@
           <a:srgbClr val="000000"/>
         </a:buClr>
         <a:buFont typeface="Arial"/>
-        <a:defRPr b="0" i="0" sz="1400" u="none" cap="none" strike="noStrike">
+        <a:defRPr sz="1400" b="0" i="0" u="none" strike="noStrike" cap="none">
           <a:solidFill>
             <a:srgbClr val="000000"/>
           </a:solidFill>
@@ -6956,7 +7018,7 @@
       </a:lvl9pPr>
     </p:bodyStyle>
     <p:otherStyle>
-      <a:defPPr lvl="0" marR="0" rtl="0" algn="l">
+      <a:defPPr marR="0" lvl="0" algn="l" rtl="0">
         <a:lnSpc>
           <a:spcPct val="100000"/>
         </a:lnSpc>
@@ -6967,7 +7029,7 @@
           <a:spcPts val="0"/>
         </a:spcAft>
       </a:defPPr>
-      <a:lvl1pPr lvl="0" marR="0" rtl="0" algn="l">
+      <a:lvl1pPr marR="0" lvl="0" algn="l" rtl="0">
         <a:lnSpc>
           <a:spcPct val="100000"/>
         </a:lnSpc>
@@ -6981,7 +7043,7 @@
           <a:srgbClr val="000000"/>
         </a:buClr>
         <a:buFont typeface="Arial"/>
-        <a:defRPr b="0" i="0" sz="1400" u="none" cap="none" strike="noStrike">
+        <a:defRPr sz="1400" b="0" i="0" u="none" strike="noStrike" cap="none">
           <a:solidFill>
             <a:srgbClr val="000000"/>
           </a:solidFill>
@@ -6991,7 +7053,7 @@
           <a:sym typeface="Arial"/>
         </a:defRPr>
       </a:lvl1pPr>
-      <a:lvl2pPr lvl="1" marR="0" rtl="0" algn="l">
+      <a:lvl2pPr marR="0" lvl="1" algn="l" rtl="0">
         <a:lnSpc>
           <a:spcPct val="100000"/>
         </a:lnSpc>
@@ -7005,7 +7067,7 @@
           <a:srgbClr val="000000"/>
         </a:buClr>
         <a:buFont typeface="Arial"/>
-        <a:defRPr b="0" i="0" sz="1400" u="none" cap="none" strike="noStrike">
+        <a:defRPr sz="1400" b="0" i="0" u="none" strike="noStrike" cap="none">
           <a:solidFill>
             <a:srgbClr val="000000"/>
           </a:solidFill>
@@ -7015,7 +7077,7 @@
           <a:sym typeface="Arial"/>
         </a:defRPr>
       </a:lvl2pPr>
-      <a:lvl3pPr lvl="2" marR="0" rtl="0" algn="l">
+      <a:lvl3pPr marR="0" lvl="2" algn="l" rtl="0">
         <a:lnSpc>
           <a:spcPct val="100000"/>
         </a:lnSpc>
@@ -7029,7 +7091,7 @@
           <a:srgbClr val="000000"/>
         </a:buClr>
         <a:buFont typeface="Arial"/>
-        <a:defRPr b="0" i="0" sz="1400" u="none" cap="none" strike="noStrike">
+        <a:defRPr sz="1400" b="0" i="0" u="none" strike="noStrike" cap="none">
           <a:solidFill>
             <a:srgbClr val="000000"/>
           </a:solidFill>
@@ -7039,7 +7101,7 @@
           <a:sym typeface="Arial"/>
         </a:defRPr>
       </a:lvl3pPr>
-      <a:lvl4pPr lvl="3" marR="0" rtl="0" algn="l">
+      <a:lvl4pPr marR="0" lvl="3" algn="l" rtl="0">
         <a:lnSpc>
           <a:spcPct val="100000"/>
         </a:lnSpc>
@@ -7053,7 +7115,7 @@
           <a:srgbClr val="000000"/>
         </a:buClr>
         <a:buFont typeface="Arial"/>
-        <a:defRPr b="0" i="0" sz="1400" u="none" cap="none" strike="noStrike">
+        <a:defRPr sz="1400" b="0" i="0" u="none" strike="noStrike" cap="none">
           <a:solidFill>
             <a:srgbClr val="000000"/>
           </a:solidFill>
@@ -7063,7 +7125,7 @@
           <a:sym typeface="Arial"/>
         </a:defRPr>
       </a:lvl4pPr>
-      <a:lvl5pPr lvl="4" marR="0" rtl="0" algn="l">
+      <a:lvl5pPr marR="0" lvl="4" algn="l" rtl="0">
         <a:lnSpc>
           <a:spcPct val="100000"/>
         </a:lnSpc>
@@ -7077,7 +7139,7 @@
           <a:srgbClr val="000000"/>
         </a:buClr>
         <a:buFont typeface="Arial"/>
-        <a:defRPr b="0" i="0" sz="1400" u="none" cap="none" strike="noStrike">
+        <a:defRPr sz="1400" b="0" i="0" u="none" strike="noStrike" cap="none">
           <a:solidFill>
             <a:srgbClr val="000000"/>
           </a:solidFill>
@@ -7087,7 +7149,7 @@
           <a:sym typeface="Arial"/>
         </a:defRPr>
       </a:lvl5pPr>
-      <a:lvl6pPr lvl="5" marR="0" rtl="0" algn="l">
+      <a:lvl6pPr marR="0" lvl="5" algn="l" rtl="0">
         <a:lnSpc>
           <a:spcPct val="100000"/>
         </a:lnSpc>
@@ -7101,7 +7163,7 @@
           <a:srgbClr val="000000"/>
         </a:buClr>
         <a:buFont typeface="Arial"/>
-        <a:defRPr b="0" i="0" sz="1400" u="none" cap="none" strike="noStrike">
+        <a:defRPr sz="1400" b="0" i="0" u="none" strike="noStrike" cap="none">
           <a:solidFill>
             <a:srgbClr val="000000"/>
           </a:solidFill>
@@ -7111,7 +7173,7 @@
           <a:sym typeface="Arial"/>
         </a:defRPr>
       </a:lvl6pPr>
-      <a:lvl7pPr lvl="6" marR="0" rtl="0" algn="l">
+      <a:lvl7pPr marR="0" lvl="6" algn="l" rtl="0">
         <a:lnSpc>
           <a:spcPct val="100000"/>
         </a:lnSpc>
@@ -7125,7 +7187,7 @@
           <a:srgbClr val="000000"/>
         </a:buClr>
         <a:buFont typeface="Arial"/>
-        <a:defRPr b="0" i="0" sz="1400" u="none" cap="none" strike="noStrike">
+        <a:defRPr sz="1400" b="0" i="0" u="none" strike="noStrike" cap="none">
           <a:solidFill>
             <a:srgbClr val="000000"/>
           </a:solidFill>
@@ -7135,7 +7197,7 @@
           <a:sym typeface="Arial"/>
         </a:defRPr>
       </a:lvl7pPr>
-      <a:lvl8pPr lvl="7" marR="0" rtl="0" algn="l">
+      <a:lvl8pPr marR="0" lvl="7" algn="l" rtl="0">
         <a:lnSpc>
           <a:spcPct val="100000"/>
         </a:lnSpc>
@@ -7149,7 +7211,7 @@
           <a:srgbClr val="000000"/>
         </a:buClr>
         <a:buFont typeface="Arial"/>
-        <a:defRPr b="0" i="0" sz="1400" u="none" cap="none" strike="noStrike">
+        <a:defRPr sz="1400" b="0" i="0" u="none" strike="noStrike" cap="none">
           <a:solidFill>
             <a:srgbClr val="000000"/>
           </a:solidFill>
@@ -7159,7 +7221,7 @@
           <a:sym typeface="Arial"/>
         </a:defRPr>
       </a:lvl8pPr>
-      <a:lvl9pPr lvl="8" marR="0" rtl="0" algn="l">
+      <a:lvl9pPr marR="0" lvl="8" algn="l" rtl="0">
         <a:lnSpc>
           <a:spcPct val="100000"/>
         </a:lnSpc>
@@ -7173,7 +7235,7 @@
           <a:srgbClr val="000000"/>
         </a:buClr>
         <a:buFont typeface="Arial"/>
-        <a:defRPr b="0" i="0" sz="1400" u="none" cap="none" strike="noStrike">
+        <a:defRPr sz="1400" b="0" i="0" u="none" strike="noStrike" cap="none">
           <a:solidFill>
             <a:srgbClr val="000000"/>
           </a:solidFill>
@@ -7189,11 +7251,11 @@
 </file>
 
 <file path=ppt/slides/slide1.xml><?xml version="1.0" encoding="utf-8"?>
-<p:sld xmlns:a="http://schemas.openxmlformats.org/drawingml/2006/main" xmlns:r="http://schemas.openxmlformats.org/officeDocument/2006/relationships" xmlns:mc="http://schemas.openxmlformats.org/markup-compatibility/2006" xmlns:mv="urn:schemas-microsoft-com:mac:vml" xmlns:p="http://schemas.openxmlformats.org/presentationml/2006/main" xmlns:c="http://schemas.openxmlformats.org/drawingml/2006/chart" xmlns:dgm="http://schemas.openxmlformats.org/drawingml/2006/diagram" xmlns:o="urn:schemas-microsoft-com:office:office" xmlns:v="urn:schemas-microsoft-com:vml" xmlns:pvml="urn:schemas-microsoft-com:office:powerpoint" xmlns:com="http://schemas.openxmlformats.org/drawingml/2006/compatibility" xmlns:p14="http://schemas.microsoft.com/office/powerpoint/2010/main" xmlns:p15="http://schemas.microsoft.com/office/powerpoint/2012/main" xmlns:ahyp="http://schemas.microsoft.com/office/drawing/2018/hyperlinkcolor">
+<p:sld xmlns:a="http://schemas.openxmlformats.org/drawingml/2006/main" xmlns:r="http://schemas.openxmlformats.org/officeDocument/2006/relationships" xmlns:p="http://schemas.openxmlformats.org/presentationml/2006/main">
   <p:cSld>
     <p:spTree>
       <p:nvGrpSpPr>
-        <p:cNvPr id="85" name="Shape 85"/>
+        <p:cNvPr id="1" name="Shape 85"/>
         <p:cNvGrpSpPr/>
         <p:nvPr/>
       </p:nvGrpSpPr>
@@ -7208,7 +7270,9 @@
       <p:sp>
         <p:nvSpPr>
           <p:cNvPr id="86" name="Google Shape;86;p13"/>
-          <p:cNvSpPr txBox="1"/>
+          <p:cNvSpPr txBox="1">
+            <a:spLocks noGrp="1"/>
+          </p:cNvSpPr>
           <p:nvPr>
             <p:ph type="ctrTitle"/>
           </p:nvPr>
@@ -7223,12 +7287,12 @@
           </a:prstGeom>
         </p:spPr>
         <p:txBody>
-          <a:bodyPr anchorCtr="0" anchor="t" bIns="91425" lIns="91425" spcFirstLastPara="1" rIns="91425" wrap="square" tIns="91425">
+          <a:bodyPr spcFirstLastPara="1" wrap="square" lIns="91425" tIns="91425" rIns="91425" bIns="91425" anchor="t" anchorCtr="0">
             <a:normAutofit/>
           </a:bodyPr>
           <a:lstStyle/>
           <a:p>
-            <a:pPr indent="0" lvl="0" marL="0" rtl="0" algn="ctr">
+            <a:pPr marL="0" lvl="0" indent="0" algn="ctr" rtl="0">
               <a:spcBef>
                 <a:spcPts val="0"/>
               </a:spcBef>
@@ -7248,9 +7312,11 @@
       <p:sp>
         <p:nvSpPr>
           <p:cNvPr id="87" name="Google Shape;87;p13"/>
-          <p:cNvSpPr txBox="1"/>
+          <p:cNvSpPr txBox="1">
+            <a:spLocks noGrp="1"/>
+          </p:cNvSpPr>
           <p:nvPr>
-            <p:ph idx="1" type="subTitle"/>
+            <p:ph type="subTitle" idx="1"/>
           </p:nvPr>
         </p:nvSpPr>
         <p:spPr>
@@ -7263,12 +7329,12 @@
           </a:prstGeom>
         </p:spPr>
         <p:txBody>
-          <a:bodyPr anchorCtr="0" anchor="t" bIns="91425" lIns="91425" spcFirstLastPara="1" rIns="91425" wrap="square" tIns="91425">
+          <a:bodyPr spcFirstLastPara="1" wrap="square" lIns="91425" tIns="91425" rIns="91425" bIns="91425" anchor="t" anchorCtr="0">
             <a:normAutofit/>
           </a:bodyPr>
           <a:lstStyle/>
           <a:p>
-            <a:pPr indent="0" lvl="0" marL="0" rtl="0" algn="r">
+            <a:pPr marL="0" lvl="0" indent="0" algn="r" rtl="0">
               <a:spcBef>
                 <a:spcPts val="0"/>
               </a:spcBef>
@@ -7302,11 +7368,11 @@
 </file>
 
 <file path=ppt/slides/slide2.xml><?xml version="1.0" encoding="utf-8"?>
-<p:sld xmlns:a="http://schemas.openxmlformats.org/drawingml/2006/main" xmlns:r="http://schemas.openxmlformats.org/officeDocument/2006/relationships" xmlns:mc="http://schemas.openxmlformats.org/markup-compatibility/2006" xmlns:mv="urn:schemas-microsoft-com:mac:vml" xmlns:p="http://schemas.openxmlformats.org/presentationml/2006/main" xmlns:c="http://schemas.openxmlformats.org/drawingml/2006/chart" xmlns:dgm="http://schemas.openxmlformats.org/drawingml/2006/diagram" xmlns:o="urn:schemas-microsoft-com:office:office" xmlns:v="urn:schemas-microsoft-com:vml" xmlns:pvml="urn:schemas-microsoft-com:office:powerpoint" xmlns:com="http://schemas.openxmlformats.org/drawingml/2006/compatibility" xmlns:p14="http://schemas.microsoft.com/office/powerpoint/2010/main" xmlns:p15="http://schemas.microsoft.com/office/powerpoint/2012/main" xmlns:ahyp="http://schemas.microsoft.com/office/drawing/2018/hyperlinkcolor">
+<p:sld xmlns:a="http://schemas.openxmlformats.org/drawingml/2006/main" xmlns:r="http://schemas.openxmlformats.org/officeDocument/2006/relationships" xmlns:p="http://schemas.openxmlformats.org/presentationml/2006/main">
   <p:cSld>
     <p:spTree>
       <p:nvGrpSpPr>
-        <p:cNvPr id="91" name="Shape 91"/>
+        <p:cNvPr id="1" name="Shape 91"/>
         <p:cNvGrpSpPr/>
         <p:nvPr/>
       </p:nvGrpSpPr>
@@ -7321,7 +7387,9 @@
       <p:sp>
         <p:nvSpPr>
           <p:cNvPr id="92" name="Google Shape;92;p14"/>
-          <p:cNvSpPr txBox="1"/>
+          <p:cNvSpPr txBox="1">
+            <a:spLocks noGrp="1"/>
+          </p:cNvSpPr>
           <p:nvPr>
             <p:ph type="title"/>
           </p:nvPr>
@@ -7336,12 +7404,12 @@
           </a:prstGeom>
         </p:spPr>
         <p:txBody>
-          <a:bodyPr anchorCtr="0" anchor="t" bIns="91425" lIns="91425" spcFirstLastPara="1" rIns="91425" wrap="square" tIns="91425">
+          <a:bodyPr spcFirstLastPara="1" wrap="square" lIns="91425" tIns="91425" rIns="91425" bIns="91425" anchor="t" anchorCtr="0">
             <a:normAutofit fontScale="90000"/>
           </a:bodyPr>
           <a:lstStyle/>
           <a:p>
-            <a:pPr indent="0" lvl="0" marL="0" rtl="0" algn="l">
+            <a:pPr marL="0" lvl="0" indent="0" algn="l" rtl="0">
               <a:spcBef>
                 <a:spcPts val="0"/>
               </a:spcBef>
@@ -7361,9 +7429,11 @@
       <p:sp>
         <p:nvSpPr>
           <p:cNvPr id="93" name="Google Shape;93;p14"/>
-          <p:cNvSpPr txBox="1"/>
+          <p:cNvSpPr txBox="1">
+            <a:spLocks noGrp="1"/>
+          </p:cNvSpPr>
           <p:nvPr>
-            <p:ph idx="1" type="body"/>
+            <p:ph type="body" idx="1"/>
           </p:nvPr>
         </p:nvSpPr>
         <p:spPr>
@@ -7376,12 +7446,12 @@
           </a:prstGeom>
         </p:spPr>
         <p:txBody>
-          <a:bodyPr anchorCtr="0" anchor="t" bIns="91425" lIns="91425" spcFirstLastPara="1" rIns="91425" wrap="square" tIns="91425">
+          <a:bodyPr spcFirstLastPara="1" wrap="square" lIns="91425" tIns="91425" rIns="91425" bIns="91425" anchor="t" anchorCtr="0">
             <a:normAutofit/>
           </a:bodyPr>
           <a:lstStyle/>
           <a:p>
-            <a:pPr indent="0" lvl="0" marL="0" rtl="0" algn="l">
+            <a:pPr marL="0" lvl="0" indent="0" algn="l" rtl="0">
               <a:spcBef>
                 <a:spcPts val="0"/>
               </a:spcBef>
@@ -7414,8 +7484,417 @@
 </p:sld>
 </file>
 
+<file path=ppt/slides/slide3.xml><?xml version="1.0" encoding="utf-8"?>
+<p:sld xmlns:a="http://schemas.openxmlformats.org/drawingml/2006/main" xmlns:r="http://schemas.openxmlformats.org/officeDocument/2006/relationships" xmlns:p="http://schemas.openxmlformats.org/presentationml/2006/main">
+  <p:cSld>
+    <p:spTree>
+      <p:nvGrpSpPr>
+        <p:cNvPr id="1" name=""/>
+        <p:cNvGrpSpPr/>
+        <p:nvPr/>
+      </p:nvGrpSpPr>
+      <p:grpSpPr>
+        <a:xfrm>
+          <a:off x="0" y="0"/>
+          <a:ext cx="0" cy="0"/>
+          <a:chOff x="0" y="0"/>
+          <a:chExt cx="0" cy="0"/>
+        </a:xfrm>
+      </p:grpSpPr>
+      <p:sp>
+        <p:nvSpPr>
+          <p:cNvPr id="2" name="Заголовок 1">
+            <a:extLst>
+              <a:ext uri="{FF2B5EF4-FFF2-40B4-BE49-F238E27FC236}">
+                <a16:creationId xmlns:a16="http://schemas.microsoft.com/office/drawing/2014/main" id="{45A68E2E-F934-9DE4-BFA2-FD32C7ABEFA1}"/>
+              </a:ext>
+            </a:extLst>
+          </p:cNvPr>
+          <p:cNvSpPr>
+            <a:spLocks noGrp="1"/>
+          </p:cNvSpPr>
+          <p:nvPr>
+            <p:ph type="title"/>
+          </p:nvPr>
+        </p:nvSpPr>
+        <p:spPr>
+          <a:xfrm>
+            <a:off x="729450" y="1318650"/>
+            <a:ext cx="4415044" cy="535200"/>
+          </a:xfrm>
+        </p:spPr>
+        <p:txBody>
+          <a:bodyPr>
+            <a:normAutofit fontScale="90000"/>
+          </a:bodyPr>
+          <a:lstStyle/>
+          <a:p>
+            <a:r>
+              <a:rPr lang="ru-RU" dirty="0"/>
+              <a:t>Описание реализации</a:t>
+            </a:r>
+          </a:p>
+        </p:txBody>
+      </p:sp>
+      <p:sp>
+        <p:nvSpPr>
+          <p:cNvPr id="3" name="Текст 2">
+            <a:extLst>
+              <a:ext uri="{FF2B5EF4-FFF2-40B4-BE49-F238E27FC236}">
+                <a16:creationId xmlns:a16="http://schemas.microsoft.com/office/drawing/2014/main" id="{368F2E13-A44E-EC5D-EE6E-983FBC093B33}"/>
+              </a:ext>
+            </a:extLst>
+          </p:cNvPr>
+          <p:cNvSpPr>
+            <a:spLocks noGrp="1"/>
+          </p:cNvSpPr>
+          <p:nvPr>
+            <p:ph type="body" idx="1"/>
+          </p:nvPr>
+        </p:nvSpPr>
+        <p:spPr>
+          <a:xfrm>
+            <a:off x="729450" y="2078875"/>
+            <a:ext cx="4597924" cy="2261100"/>
+          </a:xfrm>
+        </p:spPr>
+        <p:txBody>
+          <a:bodyPr>
+            <a:normAutofit/>
+          </a:bodyPr>
+          <a:lstStyle/>
+          <a:p>
+            <a:pPr marL="146050" indent="0">
+              <a:buNone/>
+            </a:pPr>
+            <a:r>
+              <a:rPr lang="en-US" sz="1800" dirty="0">
+                <a:solidFill>
+                  <a:schemeClr val="bg2"/>
+                </a:solidFill>
+              </a:rPr>
+              <a:t>Web </a:t>
+            </a:r>
+            <a:r>
+              <a:rPr lang="ru-RU" sz="1800" dirty="0">
+                <a:solidFill>
+                  <a:schemeClr val="bg2"/>
+                </a:solidFill>
+              </a:rPr>
+              <a:t>часть проекта написана на </a:t>
+            </a:r>
+            <a:r>
+              <a:rPr lang="en-US" sz="1800" dirty="0">
+                <a:solidFill>
+                  <a:schemeClr val="bg2"/>
+                </a:solidFill>
+              </a:rPr>
+              <a:t>Flask. </a:t>
+            </a:r>
+            <a:r>
+              <a:rPr lang="ru-RU" sz="1800" dirty="0">
+                <a:solidFill>
+                  <a:schemeClr val="bg2"/>
+                </a:solidFill>
+              </a:rPr>
+              <a:t>Парсер создан с использованием </a:t>
+            </a:r>
+            <a:r>
+              <a:rPr lang="en" sz="1800" dirty="0" err="1">
+                <a:solidFill>
+                  <a:schemeClr val="bg2"/>
+                </a:solidFill>
+                <a:effectLst/>
+              </a:rPr>
+              <a:t>fnmatch</a:t>
+            </a:r>
+            <a:r>
+              <a:rPr lang="en-US" sz="1800" dirty="0">
+                <a:solidFill>
+                  <a:schemeClr val="bg2"/>
+                </a:solidFill>
+              </a:rPr>
+              <a:t>, </a:t>
+            </a:r>
+            <a:r>
+              <a:rPr lang="en-US" sz="1800" dirty="0" err="1">
+                <a:solidFill>
+                  <a:schemeClr val="bg2"/>
+                </a:solidFill>
+              </a:rPr>
+              <a:t>gzip</a:t>
+            </a:r>
+            <a:r>
+              <a:rPr lang="en-US" sz="1800" dirty="0">
+                <a:solidFill>
+                  <a:schemeClr val="bg2"/>
+                </a:solidFill>
+              </a:rPr>
+              <a:t> </a:t>
+            </a:r>
+            <a:r>
+              <a:rPr lang="ru-RU" sz="1800" dirty="0">
+                <a:solidFill>
+                  <a:schemeClr val="bg2"/>
+                </a:solidFill>
+              </a:rPr>
+              <a:t>и </a:t>
+            </a:r>
+            <a:r>
+              <a:rPr lang="en-US" sz="1800" dirty="0">
+                <a:solidFill>
+                  <a:schemeClr val="bg2"/>
+                </a:solidFill>
+              </a:rPr>
+              <a:t>sqlite3 </a:t>
+            </a:r>
+            <a:r>
+              <a:rPr lang="ru-RU" sz="1800" dirty="0">
+                <a:solidFill>
+                  <a:schemeClr val="bg2"/>
+                </a:solidFill>
+              </a:rPr>
+              <a:t>для хранения данных</a:t>
+            </a:r>
+            <a:r>
+              <a:rPr lang="en-US" sz="1800" dirty="0">
+                <a:solidFill>
+                  <a:schemeClr val="bg2"/>
+                </a:solidFill>
+              </a:rPr>
+              <a:t>.</a:t>
+            </a:r>
+            <a:endParaRPr lang="en" sz="1800" dirty="0">
+              <a:solidFill>
+                <a:schemeClr val="bg2"/>
+              </a:solidFill>
+              <a:effectLst/>
+            </a:endParaRPr>
+          </a:p>
+        </p:txBody>
+      </p:sp>
+      <p:pic>
+        <p:nvPicPr>
+          <p:cNvPr id="5" name="Рисунок 4">
+            <a:extLst>
+              <a:ext uri="{FF2B5EF4-FFF2-40B4-BE49-F238E27FC236}">
+                <a16:creationId xmlns:a16="http://schemas.microsoft.com/office/drawing/2014/main" id="{606C5AB4-AAA1-49BF-223B-D7F9A3F2D091}"/>
+              </a:ext>
+            </a:extLst>
+          </p:cNvPr>
+          <p:cNvPicPr>
+            <a:picLocks noChangeAspect="1"/>
+          </p:cNvPicPr>
+          <p:nvPr/>
+        </p:nvPicPr>
+        <p:blipFill>
+          <a:blip r:embed="rId2"/>
+          <a:stretch>
+            <a:fillRect/>
+          </a:stretch>
+        </p:blipFill>
+        <p:spPr>
+          <a:xfrm>
+            <a:off x="5911560" y="556095"/>
+            <a:ext cx="2502990" cy="4453270"/>
+          </a:xfrm>
+          <a:prstGeom prst="rect">
+            <a:avLst/>
+          </a:prstGeom>
+        </p:spPr>
+      </p:pic>
+    </p:spTree>
+    <p:extLst>
+      <p:ext uri="{BB962C8B-B14F-4D97-AF65-F5344CB8AC3E}">
+        <p14:creationId xmlns:p14="http://schemas.microsoft.com/office/powerpoint/2010/main" val="2875647804"/>
+      </p:ext>
+    </p:extLst>
+  </p:cSld>
+  <p:clrMapOvr>
+    <a:masterClrMapping/>
+  </p:clrMapOvr>
+</p:sld>
+</file>
+
+<file path=ppt/slides/slide4.xml><?xml version="1.0" encoding="utf-8"?>
+<p:sld xmlns:a="http://schemas.openxmlformats.org/drawingml/2006/main" xmlns:r="http://schemas.openxmlformats.org/officeDocument/2006/relationships" xmlns:p="http://schemas.openxmlformats.org/presentationml/2006/main">
+  <p:cSld>
+    <p:spTree>
+      <p:nvGrpSpPr>
+        <p:cNvPr id="1" name=""/>
+        <p:cNvGrpSpPr/>
+        <p:nvPr/>
+      </p:nvGrpSpPr>
+      <p:grpSpPr>
+        <a:xfrm>
+          <a:off x="0" y="0"/>
+          <a:ext cx="0" cy="0"/>
+          <a:chOff x="0" y="0"/>
+          <a:chExt cx="0" cy="0"/>
+        </a:xfrm>
+      </p:grpSpPr>
+      <p:sp>
+        <p:nvSpPr>
+          <p:cNvPr id="2" name="Заголовок 1">
+            <a:extLst>
+              <a:ext uri="{FF2B5EF4-FFF2-40B4-BE49-F238E27FC236}">
+                <a16:creationId xmlns:a16="http://schemas.microsoft.com/office/drawing/2014/main" id="{38A9FC97-1860-ACFA-A6C6-69DCBCA05B1E}"/>
+              </a:ext>
+            </a:extLst>
+          </p:cNvPr>
+          <p:cNvSpPr>
+            <a:spLocks noGrp="1"/>
+          </p:cNvSpPr>
+          <p:nvPr>
+            <p:ph type="title"/>
+          </p:nvPr>
+        </p:nvSpPr>
+        <p:spPr/>
+        <p:txBody>
+          <a:bodyPr>
+            <a:normAutofit fontScale="90000"/>
+          </a:bodyPr>
+          <a:lstStyle/>
+          <a:p>
+            <a:r>
+              <a:rPr lang="ru-RU" dirty="0"/>
+              <a:t>Заключение</a:t>
+            </a:r>
+          </a:p>
+        </p:txBody>
+      </p:sp>
+      <p:sp>
+        <p:nvSpPr>
+          <p:cNvPr id="3" name="Текст 2">
+            <a:extLst>
+              <a:ext uri="{FF2B5EF4-FFF2-40B4-BE49-F238E27FC236}">
+                <a16:creationId xmlns:a16="http://schemas.microsoft.com/office/drawing/2014/main" id="{C376886C-4034-FF9B-521E-6123AA1E8287}"/>
+              </a:ext>
+            </a:extLst>
+          </p:cNvPr>
+          <p:cNvSpPr>
+            <a:spLocks noGrp="1"/>
+          </p:cNvSpPr>
+          <p:nvPr>
+            <p:ph type="body" idx="1"/>
+          </p:nvPr>
+        </p:nvSpPr>
+        <p:spPr/>
+        <p:txBody>
+          <a:bodyPr>
+            <a:normAutofit/>
+          </a:bodyPr>
+          <a:lstStyle/>
+          <a:p>
+            <a:pPr marL="146050" indent="0">
+              <a:buNone/>
+            </a:pPr>
+            <a:r>
+              <a:rPr lang="ru-RU" sz="1800" dirty="0">
+                <a:solidFill>
+                  <a:schemeClr val="bg2"/>
+                </a:solidFill>
+              </a:rPr>
+              <a:t>Добавление новых функции парсера</a:t>
+            </a:r>
+            <a:r>
+              <a:rPr lang="en-US" sz="1800" dirty="0">
+                <a:solidFill>
+                  <a:schemeClr val="bg2"/>
+                </a:solidFill>
+              </a:rPr>
+              <a:t>. </a:t>
+            </a:r>
+            <a:r>
+              <a:rPr lang="ru-RU" sz="1800" dirty="0">
+                <a:solidFill>
+                  <a:schemeClr val="bg2"/>
+                </a:solidFill>
+              </a:rPr>
+              <a:t> Улучшение веб интерфейса</a:t>
+            </a:r>
+            <a:r>
+              <a:rPr lang="en-US" sz="1800" dirty="0">
+                <a:solidFill>
+                  <a:schemeClr val="bg2"/>
+                </a:solidFill>
+              </a:rPr>
+              <a:t>. </a:t>
+            </a:r>
+            <a:r>
+              <a:rPr lang="ru-RU" sz="1800" dirty="0">
+                <a:solidFill>
+                  <a:schemeClr val="bg2"/>
+                </a:solidFill>
+              </a:rPr>
+              <a:t>Добавления поиска в таблицах</a:t>
+            </a:r>
+            <a:r>
+              <a:rPr lang="en-US" sz="1800" dirty="0">
+                <a:solidFill>
+                  <a:schemeClr val="bg2"/>
+                </a:solidFill>
+              </a:rPr>
+              <a:t>. </a:t>
+            </a:r>
+            <a:r>
+              <a:rPr lang="ru-RU" sz="1800" dirty="0">
+                <a:solidFill>
+                  <a:schemeClr val="bg2"/>
+                </a:solidFill>
+              </a:rPr>
+              <a:t>Улучшить </a:t>
+            </a:r>
+            <a:r>
+              <a:rPr lang="en-US" sz="1800" dirty="0">
+                <a:solidFill>
+                  <a:schemeClr val="bg2"/>
+                </a:solidFill>
+              </a:rPr>
+              <a:t>“</a:t>
+            </a:r>
+            <a:r>
+              <a:rPr lang="ru-RU" sz="1800" dirty="0">
+                <a:solidFill>
+                  <a:schemeClr val="bg2"/>
+                </a:solidFill>
+              </a:rPr>
+              <a:t>понятность</a:t>
+            </a:r>
+            <a:r>
+              <a:rPr lang="en-US" sz="1800" dirty="0">
+                <a:solidFill>
+                  <a:schemeClr val="bg2"/>
+                </a:solidFill>
+              </a:rPr>
+              <a:t>”</a:t>
+            </a:r>
+            <a:r>
+              <a:rPr lang="ru-RU" sz="1800" dirty="0">
+                <a:solidFill>
+                  <a:schemeClr val="bg2"/>
+                </a:solidFill>
+              </a:rPr>
+              <a:t> сайта</a:t>
+            </a:r>
+          </a:p>
+        </p:txBody>
+      </p:sp>
+    </p:spTree>
+    <p:extLst>
+      <p:ext uri="{BB962C8B-B14F-4D97-AF65-F5344CB8AC3E}">
+        <p14:creationId xmlns:p14="http://schemas.microsoft.com/office/powerpoint/2010/main" val="144286021"/>
+      </p:ext>
+    </p:extLst>
+  </p:cSld>
+  <p:clrMapOvr>
+    <a:masterClrMapping/>
+  </p:clrMapOvr>
+</p:sld>
+</file>
+
 <file path=ppt/theme/theme1.xml><?xml version="1.0" encoding="utf-8"?>
-<a:theme xmlns:a="http://schemas.openxmlformats.org/drawingml/2006/main" xmlns:r="http://schemas.openxmlformats.org/officeDocument/2006/relationships" name="Streamline">
+<a:theme xmlns:a="http://schemas.openxmlformats.org/drawingml/2006/main" name="Streamline">
   <a:themeElements>
     <a:clrScheme name="Streamline">
       <a:dk1>
@@ -7690,11 +8169,13 @@
       </a:bgFillStyleLst>
     </a:fmtScheme>
   </a:themeElements>
+  <a:objectDefaults/>
+  <a:extraClrSchemeLst/>
 </a:theme>
 </file>
 
 <file path=ppt/theme/theme2.xml><?xml version="1.0" encoding="utf-8"?>
-<a:theme xmlns:a="http://schemas.openxmlformats.org/drawingml/2006/main" xmlns:r="http://schemas.openxmlformats.org/officeDocument/2006/relationships">
+<a:theme xmlns:a="http://schemas.openxmlformats.org/drawingml/2006/main">
   <a:themeElements>
     <a:clrScheme name="Default">
       <a:dk1>
@@ -7969,5 +8450,7 @@
       </a:bgFillStyleLst>
     </a:fmtScheme>
   </a:themeElements>
+  <a:objectDefaults/>
+  <a:extraClrSchemeLst/>
 </a:theme>
 </file>